--- a/doc/meetings/ldk-2021/0-welcome.pptx
+++ b/doc/meetings/ldk-2021/0-welcome.pptx
@@ -5,10 +5,10 @@
     <p:sldMasterId id="2147483649" r:id="rId1"/>
   </p:sldMasterIdLst>
   <p:notesMasterIdLst>
-    <p:notesMasterId r:id="rId12"/>
+    <p:notesMasterId r:id="rId19"/>
   </p:notesMasterIdLst>
   <p:handoutMasterIdLst>
-    <p:handoutMasterId r:id="rId13"/>
+    <p:handoutMasterId r:id="rId20"/>
   </p:handoutMasterIdLst>
   <p:sldIdLst>
     <p:sldId id="399" r:id="rId2"/>
@@ -16,11 +16,18 @@
     <p:sldId id="403" r:id="rId4"/>
     <p:sldId id="408" r:id="rId5"/>
     <p:sldId id="410" r:id="rId6"/>
-    <p:sldId id="412" r:id="rId7"/>
-    <p:sldId id="413" r:id="rId8"/>
-    <p:sldId id="416" r:id="rId9"/>
-    <p:sldId id="415" r:id="rId10"/>
-    <p:sldId id="414" r:id="rId11"/>
+    <p:sldId id="418" r:id="rId7"/>
+    <p:sldId id="424" r:id="rId8"/>
+    <p:sldId id="425" r:id="rId9"/>
+    <p:sldId id="426" r:id="rId10"/>
+    <p:sldId id="428" r:id="rId11"/>
+    <p:sldId id="427" r:id="rId12"/>
+    <p:sldId id="429" r:id="rId13"/>
+    <p:sldId id="412" r:id="rId14"/>
+    <p:sldId id="413" r:id="rId15"/>
+    <p:sldId id="416" r:id="rId16"/>
+    <p:sldId id="415" r:id="rId17"/>
+    <p:sldId id="430" r:id="rId18"/>
   </p:sldIdLst>
   <p:sldSz cx="9144000" cy="5143500" type="screen16x9"/>
   <p:notesSz cx="6797675" cy="9926638"/>
@@ -236,7 +243,7 @@
             <a:fld id="{C2F2E05C-DC70-4FFA-82FC-2DC031184B82}" type="datetimeFigureOut">
               <a:rPr lang="de-DE" smtClean="0"/>
               <a:pPr/>
-              <a:t>31.08.2021</a:t>
+              <a:t>01.09.2021</a:t>
             </a:fld>
             <a:endParaRPr lang="de-DE"/>
           </a:p>
@@ -1058,7 +1065,7 @@
             <a:fld id="{6C60185F-904B-447E-B2CD-3B58A57AF8CA}" type="slidenum">
               <a:rPr lang="de-DE" smtClean="0"/>
               <a:pPr/>
-              <a:t>8</a:t>
+              <a:t>15</a:t>
             </a:fld>
             <a:endParaRPr lang="de-DE"/>
           </a:p>
@@ -2907,8 +2914,8 @@
         </p:nvSpPr>
         <p:spPr>
           <a:xfrm>
-            <a:off x="4727413" y="0"/>
-            <a:ext cx="4416594" cy="369332"/>
+            <a:off x="4283830" y="0"/>
+            <a:ext cx="4860177" cy="369332"/>
           </a:xfrm>
           <a:prstGeom prst="rect">
             <a:avLst/>
@@ -2924,7 +2931,7 @@
             <a:pPr algn="r"/>
             <a:r>
               <a:rPr lang="de-DE" sz="1800" dirty="0" smtClean="0"/>
-              <a:t>LDK-2021, Zaragoza, Spain, Sep 3, 2021</a:t>
+              <a:t>LD4LT @ LDK, Zaragoza, Spain, Sep 4, 2021</a:t>
             </a:r>
           </a:p>
         </p:txBody>
@@ -3142,7 +3149,7 @@
           <a:p>
             <a:r>
               <a:rPr lang="de-DE" dirty="0" smtClean="0"/>
-              <a:t>TODO</a:t>
+              <a:t>What is Linguistic Annotation, Actually?</a:t>
             </a:r>
             <a:endParaRPr lang="de-DE" dirty="0"/>
           </a:p>
@@ -3158,22 +3165,799 @@
             <p:ph idx="1"/>
           </p:nvPr>
         </p:nvSpPr>
-        <p:spPr/>
+        <p:spPr>
+          <a:xfrm>
+            <a:off x="457200" y="1200153"/>
+            <a:ext cx="4384830" cy="3394472"/>
+          </a:xfrm>
+        </p:spPr>
         <p:txBody>
           <a:bodyPr/>
           <a:lstStyle/>
           <a:p>
             <a:r>
               <a:rPr lang="de-DE" dirty="0" smtClean="0"/>
-              <a:t>clarify relation with OntoLex-FrAC</a:t>
-            </a:r>
-          </a:p>
+              <a:t>Different communities of practice annotate very different things</a:t>
+            </a:r>
+            <a:endParaRPr lang="de-DE" dirty="0"/>
+          </a:p>
+        </p:txBody>
+      </p:sp>
+      <p:sp>
+        <p:nvSpPr>
+          <p:cNvPr id="8" name="TextBox 7"/>
+          <p:cNvSpPr txBox="1"/>
+          <p:nvPr/>
+        </p:nvSpPr>
+        <p:spPr>
+          <a:xfrm>
+            <a:off x="2718058" y="3562350"/>
+            <a:ext cx="1549142" cy="1038746"/>
+          </a:xfrm>
+          <a:prstGeom prst="rect">
+            <a:avLst/>
+          </a:prstGeom>
+          <a:noFill/>
+        </p:spPr>
+        <p:txBody>
+          <a:bodyPr wrap="none" lIns="68580" tIns="34290" rIns="68580" bIns="34290" rtlCol="0">
+            <a:spAutoFit/>
+          </a:bodyPr>
+          <a:lstStyle/>
+          <a:p>
+            <a:pPr algn="ctr"/>
+            <a:r>
+              <a:rPr lang="de-DE" sz="2700" dirty="0" smtClean="0"/>
+              <a:t>Recogito</a:t>
+            </a:r>
+            <a:endParaRPr lang="de-DE" sz="2700" dirty="0"/>
+          </a:p>
+          <a:p>
+            <a:pPr algn="ctr"/>
+            <a:r>
+              <a:rPr lang="de-DE" sz="1800" dirty="0" smtClean="0"/>
+              <a:t>Georeference</a:t>
+            </a:r>
+          </a:p>
+          <a:p>
+            <a:pPr algn="ctr"/>
+            <a:r>
+              <a:rPr lang="de-DE" sz="1800" dirty="0" smtClean="0"/>
+              <a:t>(Entities)</a:t>
+            </a:r>
+            <a:endParaRPr lang="de-DE" sz="1800" dirty="0"/>
+          </a:p>
+        </p:txBody>
+      </p:sp>
+      <p:pic>
+        <p:nvPicPr>
+          <p:cNvPr id="10" name="Picture 4" descr="colour1"/>
+          <p:cNvPicPr>
+            <a:picLocks noChangeAspect="1" noChangeArrowheads="1"/>
+          </p:cNvPicPr>
+          <p:nvPr/>
+        </p:nvPicPr>
+        <p:blipFill>
+          <a:blip r:embed="rId2">
+            <a:extLst>
+              <a:ext uri="{28A0092B-C50C-407E-A947-70E740481C1C}">
+                <a14:useLocalDpi xmlns:a14="http://schemas.microsoft.com/office/drawing/2010/main" val="0"/>
+              </a:ext>
+            </a:extLst>
+          </a:blip>
+          <a:srcRect/>
+          <a:stretch>
+            <a:fillRect/>
+          </a:stretch>
+        </p:blipFill>
+        <p:spPr bwMode="auto">
+          <a:xfrm>
+            <a:off x="4457397" y="1047750"/>
+            <a:ext cx="4176464" cy="3540454"/>
+          </a:xfrm>
+          <a:prstGeom prst="rect">
+            <a:avLst/>
+          </a:prstGeom>
+          <a:noFill/>
+          <a:extLst>
+            <a:ext uri="{909E8E84-426E-40DD-AFC4-6F175D3DCCD1}">
+              <a14:hiddenFill xmlns:a14="http://schemas.microsoft.com/office/drawing/2010/main">
+                <a:solidFill>
+                  <a:srgbClr val="FFFFFF"/>
+                </a:solidFill>
+              </a14:hiddenFill>
+            </a:ext>
+          </a:extLst>
+        </p:spPr>
+      </p:pic>
+      <p:sp>
+        <p:nvSpPr>
+          <p:cNvPr id="11" name="TextBox 10"/>
+          <p:cNvSpPr txBox="1"/>
+          <p:nvPr/>
+        </p:nvSpPr>
+        <p:spPr>
+          <a:xfrm>
+            <a:off x="2039148" y="4669636"/>
+            <a:ext cx="6846233" cy="338554"/>
+          </a:xfrm>
+          <a:prstGeom prst="rect">
+            <a:avLst/>
+          </a:prstGeom>
+          <a:noFill/>
+        </p:spPr>
+        <p:txBody>
+          <a:bodyPr wrap="none" rtlCol="0">
+            <a:spAutoFit/>
+          </a:bodyPr>
+          <a:lstStyle/>
+          <a:p>
+            <a:pPr algn="ctr"/>
+            <a:r>
+              <a:rPr lang="de-DE" sz="1600" dirty="0">
+                <a:hlinkClick r:id="rId3"/>
+              </a:rPr>
+              <a:t>http://commons.pelagios.org/2018/03/you-can-now-do-everything-in-recogito/</a:t>
+            </a:r>
+            <a:r>
+              <a:rPr lang="de-DE" sz="1600" dirty="0"/>
+              <a:t> </a:t>
+            </a:r>
+          </a:p>
+        </p:txBody>
+      </p:sp>
+    </p:spTree>
+    <p:extLst>
+      <p:ext uri="{BB962C8B-B14F-4D97-AF65-F5344CB8AC3E}">
+        <p14:creationId xmlns:p14="http://schemas.microsoft.com/office/powerpoint/2010/main" val="3466019382"/>
+      </p:ext>
+    </p:extLst>
+  </p:cSld>
+  <p:clrMapOvr>
+    <a:masterClrMapping/>
+  </p:clrMapOvr>
+</p:sld>
+</file>
+
+<file path=ppt/slides/slide11.xml><?xml version="1.0" encoding="utf-8"?>
+<p:sld xmlns:a="http://schemas.openxmlformats.org/drawingml/2006/main" xmlns:r="http://schemas.openxmlformats.org/officeDocument/2006/relationships" xmlns:p="http://schemas.openxmlformats.org/presentationml/2006/main">
+  <p:cSld>
+    <p:spTree>
+      <p:nvGrpSpPr>
+        <p:cNvPr id="1" name=""/>
+        <p:cNvGrpSpPr/>
+        <p:nvPr/>
+      </p:nvGrpSpPr>
+      <p:grpSpPr>
+        <a:xfrm>
+          <a:off x="0" y="0"/>
+          <a:ext cx="0" cy="0"/>
+          <a:chOff x="0" y="0"/>
+          <a:chExt cx="0" cy="0"/>
+        </a:xfrm>
+      </p:grpSpPr>
+      <p:sp>
+        <p:nvSpPr>
+          <p:cNvPr id="2" name="Title 1"/>
+          <p:cNvSpPr>
+            <a:spLocks noGrp="1"/>
+          </p:cNvSpPr>
+          <p:nvPr>
+            <p:ph type="title"/>
+          </p:nvPr>
+        </p:nvSpPr>
+        <p:spPr/>
+        <p:txBody>
+          <a:bodyPr/>
+          <a:lstStyle/>
           <a:p>
             <a:r>
               <a:rPr lang="de-DE" dirty="0" smtClean="0"/>
-              <a:t>add links to minutes document and github</a:t>
+              <a:t>What is Linguistic Annotation, Actually?</a:t>
             </a:r>
             <a:endParaRPr lang="de-DE" dirty="0"/>
+          </a:p>
+        </p:txBody>
+      </p:sp>
+      <p:sp>
+        <p:nvSpPr>
+          <p:cNvPr id="3" name="Content Placeholder 2"/>
+          <p:cNvSpPr>
+            <a:spLocks noGrp="1"/>
+          </p:cNvSpPr>
+          <p:nvPr>
+            <p:ph idx="1"/>
+          </p:nvPr>
+        </p:nvSpPr>
+        <p:spPr>
+          <a:xfrm>
+            <a:off x="457200" y="1200153"/>
+            <a:ext cx="4384830" cy="3394472"/>
+          </a:xfrm>
+        </p:spPr>
+        <p:txBody>
+          <a:bodyPr/>
+          <a:lstStyle/>
+          <a:p>
+            <a:r>
+              <a:rPr lang="de-DE" dirty="0" smtClean="0"/>
+              <a:t>Different communities of practice annotate very different things</a:t>
+            </a:r>
+            <a:endParaRPr lang="de-DE" dirty="0"/>
+          </a:p>
+        </p:txBody>
+      </p:sp>
+      <p:sp>
+        <p:nvSpPr>
+          <p:cNvPr id="10" name="TextBox 9"/>
+          <p:cNvSpPr txBox="1"/>
+          <p:nvPr/>
+        </p:nvSpPr>
+        <p:spPr>
+          <a:xfrm>
+            <a:off x="5706126" y="4785996"/>
+            <a:ext cx="3301225" cy="315471"/>
+          </a:xfrm>
+          <a:prstGeom prst="rect">
+            <a:avLst/>
+          </a:prstGeom>
+          <a:noFill/>
+        </p:spPr>
+        <p:txBody>
+          <a:bodyPr wrap="none" lIns="68580" tIns="34290" rIns="68580" bIns="34290" rtlCol="0">
+            <a:spAutoFit/>
+          </a:bodyPr>
+          <a:lstStyle/>
+          <a:p>
+            <a:r>
+              <a:rPr lang="de-DE" sz="1600" dirty="0">
+                <a:hlinkClick r:id="rId2"/>
+              </a:rPr>
+              <a:t>https://</a:t>
+            </a:r>
+            <a:r>
+              <a:rPr lang="de-DE" sz="1600" dirty="0" smtClean="0">
+                <a:hlinkClick r:id="rId2"/>
+              </a:rPr>
+              <a:t>brat.nlplab.org/manual.html</a:t>
+            </a:r>
+            <a:r>
+              <a:rPr lang="de-DE" sz="1600" dirty="0" smtClean="0"/>
+              <a:t> </a:t>
+            </a:r>
+            <a:endParaRPr lang="de-DE" sz="1600" dirty="0"/>
+          </a:p>
+        </p:txBody>
+      </p:sp>
+      <p:sp>
+        <p:nvSpPr>
+          <p:cNvPr id="11" name="TextBox 10"/>
+          <p:cNvSpPr txBox="1"/>
+          <p:nvPr/>
+        </p:nvSpPr>
+        <p:spPr>
+          <a:xfrm>
+            <a:off x="5220072" y="1869672"/>
+            <a:ext cx="3485570" cy="900247"/>
+          </a:xfrm>
+          <a:prstGeom prst="rect">
+            <a:avLst/>
+          </a:prstGeom>
+          <a:noFill/>
+        </p:spPr>
+        <p:txBody>
+          <a:bodyPr wrap="none" lIns="68580" tIns="34290" rIns="68580" bIns="34290" rtlCol="0">
+            <a:spAutoFit/>
+          </a:bodyPr>
+          <a:lstStyle/>
+          <a:p>
+            <a:pPr algn="ctr"/>
+            <a:r>
+              <a:rPr lang="de-DE" sz="2700" dirty="0"/>
+              <a:t>Relations and Entities</a:t>
+            </a:r>
+          </a:p>
+          <a:p>
+            <a:pPr algn="ctr"/>
+            <a:r>
+              <a:rPr lang="de-DE" sz="2700" dirty="0"/>
+              <a:t>(Brat)</a:t>
+            </a:r>
+            <a:endParaRPr lang="de-DE" sz="1800" dirty="0"/>
+          </a:p>
+        </p:txBody>
+      </p:sp>
+      <p:pic>
+        <p:nvPicPr>
+          <p:cNvPr id="12" name="Picture 4" descr="feature example"/>
+          <p:cNvPicPr>
+            <a:picLocks noChangeAspect="1" noChangeArrowheads="1"/>
+          </p:cNvPicPr>
+          <p:nvPr/>
+        </p:nvPicPr>
+        <p:blipFill>
+          <a:blip r:embed="rId3">
+            <a:extLst>
+              <a:ext uri="{28A0092B-C50C-407E-A947-70E740481C1C}">
+                <a14:useLocalDpi xmlns:a14="http://schemas.microsoft.com/office/drawing/2010/main" val="0"/>
+              </a:ext>
+            </a:extLst>
+          </a:blip>
+          <a:srcRect/>
+          <a:stretch>
+            <a:fillRect/>
+          </a:stretch>
+        </p:blipFill>
+        <p:spPr bwMode="auto">
+          <a:xfrm>
+            <a:off x="3069468" y="2841780"/>
+            <a:ext cx="5715000" cy="1893095"/>
+          </a:xfrm>
+          <a:prstGeom prst="rect">
+            <a:avLst/>
+          </a:prstGeom>
+          <a:noFill/>
+          <a:extLst>
+            <a:ext uri="{909E8E84-426E-40DD-AFC4-6F175D3DCCD1}">
+              <a14:hiddenFill xmlns:a14="http://schemas.microsoft.com/office/drawing/2010/main">
+                <a:solidFill>
+                  <a:srgbClr val="FFFFFF"/>
+                </a:solidFill>
+              </a14:hiddenFill>
+            </a:ext>
+          </a:extLst>
+        </p:spPr>
+      </p:pic>
+    </p:spTree>
+    <p:extLst>
+      <p:ext uri="{BB962C8B-B14F-4D97-AF65-F5344CB8AC3E}">
+        <p14:creationId xmlns:p14="http://schemas.microsoft.com/office/powerpoint/2010/main" val="2853753179"/>
+      </p:ext>
+    </p:extLst>
+  </p:cSld>
+  <p:clrMapOvr>
+    <a:masterClrMapping/>
+  </p:clrMapOvr>
+</p:sld>
+</file>
+
+<file path=ppt/slides/slide12.xml><?xml version="1.0" encoding="utf-8"?>
+<p:sld xmlns:a="http://schemas.openxmlformats.org/drawingml/2006/main" xmlns:r="http://schemas.openxmlformats.org/officeDocument/2006/relationships" xmlns:p="http://schemas.openxmlformats.org/presentationml/2006/main">
+  <p:cSld>
+    <p:spTree>
+      <p:nvGrpSpPr>
+        <p:cNvPr id="1" name=""/>
+        <p:cNvGrpSpPr/>
+        <p:nvPr/>
+      </p:nvGrpSpPr>
+      <p:grpSpPr>
+        <a:xfrm>
+          <a:off x="0" y="0"/>
+          <a:ext cx="0" cy="0"/>
+          <a:chOff x="0" y="0"/>
+          <a:chExt cx="0" cy="0"/>
+        </a:xfrm>
+      </p:grpSpPr>
+      <p:sp>
+        <p:nvSpPr>
+          <p:cNvPr id="2" name="Title 1"/>
+          <p:cNvSpPr>
+            <a:spLocks noGrp="1"/>
+          </p:cNvSpPr>
+          <p:nvPr>
+            <p:ph type="title"/>
+          </p:nvPr>
+        </p:nvSpPr>
+        <p:spPr/>
+        <p:txBody>
+          <a:bodyPr/>
+          <a:lstStyle/>
+          <a:p>
+            <a:r>
+              <a:rPr lang="de-DE" dirty="0" smtClean="0"/>
+              <a:t>What is Linguistic Annotation, Actually?</a:t>
+            </a:r>
+            <a:endParaRPr lang="de-DE" dirty="0"/>
+          </a:p>
+        </p:txBody>
+      </p:sp>
+      <p:sp>
+        <p:nvSpPr>
+          <p:cNvPr id="3" name="Content Placeholder 2"/>
+          <p:cNvSpPr>
+            <a:spLocks noGrp="1"/>
+          </p:cNvSpPr>
+          <p:nvPr>
+            <p:ph idx="1"/>
+          </p:nvPr>
+        </p:nvSpPr>
+        <p:spPr>
+          <a:xfrm>
+            <a:off x="457200" y="1200153"/>
+            <a:ext cx="4384830" cy="3394472"/>
+          </a:xfrm>
+        </p:spPr>
+        <p:txBody>
+          <a:bodyPr/>
+          <a:lstStyle/>
+          <a:p>
+            <a:r>
+              <a:rPr lang="de-DE" dirty="0" smtClean="0"/>
+              <a:t>Different communities of practice annotate very different things</a:t>
+            </a:r>
+            <a:endParaRPr lang="de-DE" dirty="0"/>
+          </a:p>
+        </p:txBody>
+      </p:sp>
+      <p:pic>
+        <p:nvPicPr>
+          <p:cNvPr id="7" name="Picture 2" descr="screenshot of ANNIS main user interface"/>
+          <p:cNvPicPr>
+            <a:picLocks noChangeAspect="1" noChangeArrowheads="1"/>
+          </p:cNvPicPr>
+          <p:nvPr/>
+        </p:nvPicPr>
+        <p:blipFill>
+          <a:blip r:embed="rId2" cstate="print">
+            <a:extLst>
+              <a:ext uri="{28A0092B-C50C-407E-A947-70E740481C1C}">
+                <a14:useLocalDpi xmlns:a14="http://schemas.microsoft.com/office/drawing/2010/main" val="0"/>
+              </a:ext>
+            </a:extLst>
+          </a:blip>
+          <a:srcRect/>
+          <a:stretch>
+            <a:fillRect/>
+          </a:stretch>
+        </p:blipFill>
+        <p:spPr bwMode="auto">
+          <a:xfrm>
+            <a:off x="4932828" y="1221600"/>
+            <a:ext cx="4019642" cy="3858857"/>
+          </a:xfrm>
+          <a:prstGeom prst="rect">
+            <a:avLst/>
+          </a:prstGeom>
+        </p:spPr>
+        <p:style>
+          <a:lnRef idx="2">
+            <a:schemeClr val="dk1"/>
+          </a:lnRef>
+          <a:fillRef idx="1">
+            <a:schemeClr val="lt1"/>
+          </a:fillRef>
+          <a:effectRef idx="0">
+            <a:schemeClr val="dk1"/>
+          </a:effectRef>
+          <a:fontRef idx="minor">
+            <a:schemeClr val="dk1"/>
+          </a:fontRef>
+        </p:style>
+      </p:pic>
+      <p:sp>
+        <p:nvSpPr>
+          <p:cNvPr id="8" name="TextBox 7"/>
+          <p:cNvSpPr txBox="1"/>
+          <p:nvPr/>
+        </p:nvSpPr>
+        <p:spPr>
+          <a:xfrm>
+            <a:off x="1371106" y="3669726"/>
+            <a:ext cx="3581894" cy="900247"/>
+          </a:xfrm>
+          <a:prstGeom prst="rect">
+            <a:avLst/>
+          </a:prstGeom>
+          <a:noFill/>
+        </p:spPr>
+        <p:txBody>
+          <a:bodyPr wrap="none" lIns="68580" tIns="34290" rIns="68580" bIns="34290" rtlCol="0">
+            <a:spAutoFit/>
+          </a:bodyPr>
+          <a:lstStyle/>
+          <a:p>
+            <a:pPr algn="ctr"/>
+            <a:r>
+              <a:rPr lang="de-DE" sz="2700" dirty="0"/>
+              <a:t>All at once ?</a:t>
+            </a:r>
+          </a:p>
+          <a:p>
+            <a:pPr algn="ctr"/>
+            <a:r>
+              <a:rPr lang="de-DE" sz="2700" dirty="0"/>
+              <a:t>Multi-Layer Annotation</a:t>
+            </a:r>
+            <a:endParaRPr lang="de-DE" sz="1800" dirty="0"/>
+          </a:p>
+        </p:txBody>
+      </p:sp>
+      <p:sp>
+        <p:nvSpPr>
+          <p:cNvPr id="9" name="TextBox 8"/>
+          <p:cNvSpPr txBox="1"/>
+          <p:nvPr/>
+        </p:nvSpPr>
+        <p:spPr>
+          <a:xfrm>
+            <a:off x="1871700" y="4659978"/>
+            <a:ext cx="2890856" cy="315471"/>
+          </a:xfrm>
+          <a:prstGeom prst="rect">
+            <a:avLst/>
+          </a:prstGeom>
+          <a:noFill/>
+        </p:spPr>
+        <p:txBody>
+          <a:bodyPr wrap="none" lIns="68580" tIns="34290" rIns="68580" bIns="34290" rtlCol="0">
+            <a:spAutoFit/>
+          </a:bodyPr>
+          <a:lstStyle/>
+          <a:p>
+            <a:r>
+              <a:rPr lang="de-DE" sz="1600" dirty="0">
+                <a:hlinkClick r:id="rId3"/>
+              </a:rPr>
+              <a:t>https://corpus-tools.org/annis</a:t>
+            </a:r>
+            <a:r>
+              <a:rPr lang="de-DE" sz="1600" dirty="0" smtClean="0">
+                <a:hlinkClick r:id="rId3"/>
+              </a:rPr>
+              <a:t>/</a:t>
+            </a:r>
+            <a:r>
+              <a:rPr lang="de-DE" sz="1600" dirty="0" smtClean="0"/>
+              <a:t> </a:t>
+            </a:r>
+            <a:endParaRPr lang="de-DE" sz="1600" dirty="0"/>
+          </a:p>
+        </p:txBody>
+      </p:sp>
+    </p:spTree>
+    <p:extLst>
+      <p:ext uri="{BB962C8B-B14F-4D97-AF65-F5344CB8AC3E}">
+        <p14:creationId xmlns:p14="http://schemas.microsoft.com/office/powerpoint/2010/main" val="3670822596"/>
+      </p:ext>
+    </p:extLst>
+  </p:cSld>
+  <p:clrMapOvr>
+    <a:masterClrMapping/>
+  </p:clrMapOvr>
+</p:sld>
+</file>
+
+<file path=ppt/slides/slide13.xml><?xml version="1.0" encoding="utf-8"?>
+<p:sld xmlns:a="http://schemas.openxmlformats.org/drawingml/2006/main" xmlns:r="http://schemas.openxmlformats.org/officeDocument/2006/relationships" xmlns:p="http://schemas.openxmlformats.org/presentationml/2006/main">
+  <p:cSld>
+    <p:spTree>
+      <p:nvGrpSpPr>
+        <p:cNvPr id="1" name=""/>
+        <p:cNvGrpSpPr/>
+        <p:nvPr/>
+      </p:nvGrpSpPr>
+      <p:grpSpPr>
+        <a:xfrm>
+          <a:off x="0" y="0"/>
+          <a:ext cx="0" cy="0"/>
+          <a:chOff x="0" y="0"/>
+          <a:chExt cx="0" cy="0"/>
+        </a:xfrm>
+      </p:grpSpPr>
+      <p:sp>
+        <p:nvSpPr>
+          <p:cNvPr id="2" name="Title 1"/>
+          <p:cNvSpPr>
+            <a:spLocks noGrp="1"/>
+          </p:cNvSpPr>
+          <p:nvPr>
+            <p:ph type="title"/>
+          </p:nvPr>
+        </p:nvSpPr>
+        <p:spPr/>
+        <p:txBody>
+          <a:bodyPr/>
+          <a:lstStyle/>
+          <a:p>
+            <a:r>
+              <a:rPr lang="de-DE" dirty="0" smtClean="0"/>
+              <a:t>LD4LT Workshop @ LDK-2021</a:t>
+            </a:r>
+            <a:endParaRPr lang="de-DE" dirty="0"/>
+          </a:p>
+        </p:txBody>
+      </p:sp>
+      <p:sp>
+        <p:nvSpPr>
+          <p:cNvPr id="3" name="Content Placeholder 2"/>
+          <p:cNvSpPr>
+            <a:spLocks noGrp="1"/>
+          </p:cNvSpPr>
+          <p:nvPr>
+            <p:ph idx="1"/>
+          </p:nvPr>
+        </p:nvSpPr>
+        <p:spPr>
+          <a:xfrm>
+            <a:off x="457200" y="1231106"/>
+            <a:ext cx="8229600" cy="3398044"/>
+          </a:xfrm>
+        </p:spPr>
+        <p:txBody>
+          <a:bodyPr/>
+          <a:lstStyle/>
+          <a:p>
+            <a:pPr marL="0" indent="0">
+              <a:buNone/>
+              <a:tabLst>
+                <a:tab pos="1616075" algn="l"/>
+                <a:tab pos="3140075" algn="l"/>
+              </a:tabLst>
+            </a:pPr>
+            <a:r>
+              <a:rPr lang="de-DE" sz="1800" b="1" dirty="0" smtClean="0"/>
+              <a:t>09:00</a:t>
+            </a:r>
+            <a:r>
+              <a:rPr lang="de-DE" sz="1800" b="1" dirty="0"/>
+              <a:t>	</a:t>
+            </a:r>
+            <a:r>
+              <a:rPr lang="de-DE" sz="1800" b="1" dirty="0" smtClean="0"/>
+              <a:t>Welcome</a:t>
+            </a:r>
+            <a:endParaRPr lang="de-DE" sz="1800" b="1" dirty="0"/>
+          </a:p>
+          <a:p>
+            <a:pPr marL="0" indent="0">
+              <a:buNone/>
+              <a:tabLst>
+                <a:tab pos="1616075" algn="l"/>
+                <a:tab pos="3140075" algn="l"/>
+              </a:tabLst>
+            </a:pPr>
+            <a:endParaRPr lang="de-DE" sz="1800" dirty="0" smtClean="0"/>
+          </a:p>
+          <a:p>
+            <a:pPr marL="0" indent="0">
+              <a:buNone/>
+              <a:tabLst>
+                <a:tab pos="1616075" algn="l"/>
+                <a:tab pos="3140075" algn="l"/>
+              </a:tabLst>
+            </a:pPr>
+            <a:r>
+              <a:rPr lang="de-DE" sz="1800" b="1" dirty="0" smtClean="0"/>
+              <a:t>09:10 </a:t>
+            </a:r>
+            <a:r>
+              <a:rPr lang="de-DE" sz="1800" b="1" dirty="0"/>
+              <a:t>- </a:t>
+            </a:r>
+            <a:r>
+              <a:rPr lang="de-DE" sz="1800" b="1" dirty="0" smtClean="0"/>
+              <a:t>10:30	Background</a:t>
+            </a:r>
+            <a:r>
+              <a:rPr lang="de-DE" sz="1800" b="1" dirty="0"/>
+              <a:t>: Linguistic Annotation on the </a:t>
+            </a:r>
+            <a:r>
+              <a:rPr lang="de-DE" sz="1800" b="1" dirty="0" smtClean="0"/>
+              <a:t>Web</a:t>
+            </a:r>
+            <a:endParaRPr lang="de-DE" sz="1800" dirty="0" smtClean="0"/>
+          </a:p>
+          <a:p>
+            <a:pPr>
+              <a:tabLst>
+                <a:tab pos="1616075" algn="l"/>
+                <a:tab pos="3590925" algn="l"/>
+              </a:tabLst>
+            </a:pPr>
+            <a:r>
+              <a:rPr lang="de-DE" sz="1800" i="1" dirty="0" smtClean="0"/>
+              <a:t>W3C </a:t>
+            </a:r>
+            <a:r>
+              <a:rPr lang="de-DE" sz="1800" i="1" dirty="0"/>
+              <a:t>Standard Web Annotation</a:t>
+            </a:r>
+            <a:r>
+              <a:rPr lang="de-DE" sz="1800" dirty="0"/>
+              <a:t>	Christian Chiarcos</a:t>
+            </a:r>
+          </a:p>
+          <a:p>
+            <a:pPr>
+              <a:tabLst>
+                <a:tab pos="1616075" algn="l"/>
+                <a:tab pos="3590925" algn="l"/>
+              </a:tabLst>
+            </a:pPr>
+            <a:r>
+              <a:rPr lang="de-DE" sz="1800" i="1" dirty="0"/>
+              <a:t>NLP Interchange Format </a:t>
+            </a:r>
+            <a:r>
+              <a:rPr lang="de-DE" sz="1800" dirty="0"/>
+              <a:t>	Milan Dojchinovski</a:t>
+            </a:r>
+          </a:p>
+          <a:p>
+            <a:pPr>
+              <a:tabLst>
+                <a:tab pos="1616075" algn="l"/>
+                <a:tab pos="3590925" algn="l"/>
+              </a:tabLst>
+            </a:pPr>
+            <a:r>
+              <a:rPr lang="de-DE" sz="1800" i="1" dirty="0"/>
+              <a:t>Text Encoding Initiative </a:t>
+            </a:r>
+            <a:r>
+              <a:rPr lang="de-DE" sz="1800" dirty="0"/>
+              <a:t>	Fahad Khan</a:t>
+            </a:r>
+          </a:p>
+          <a:p>
+            <a:pPr>
+              <a:tabLst>
+                <a:tab pos="1616075" algn="l"/>
+                <a:tab pos="3590925" algn="l"/>
+              </a:tabLst>
+            </a:pPr>
+            <a:r>
+              <a:rPr lang="de-DE" sz="1800" i="1" dirty="0"/>
+              <a:t>ISO TC37 standards </a:t>
+            </a:r>
+            <a:r>
+              <a:rPr lang="de-DE" sz="1800" dirty="0"/>
+              <a:t>	Thierry Declerck</a:t>
+            </a:r>
+          </a:p>
+          <a:p>
+            <a:pPr>
+              <a:tabLst>
+                <a:tab pos="1616075" algn="l"/>
+                <a:tab pos="3590925" algn="l"/>
+              </a:tabLst>
+            </a:pPr>
+            <a:r>
+              <a:rPr lang="de-DE" sz="1800" i="1" dirty="0"/>
+              <a:t>Text Fragids	</a:t>
+            </a:r>
+            <a:r>
+              <a:rPr lang="de-DE" sz="1800" dirty="0" smtClean="0"/>
+              <a:t>	Joel Kalvesmaki</a:t>
+            </a:r>
+          </a:p>
+          <a:p>
+            <a:pPr>
+              <a:tabLst>
+                <a:tab pos="1616075" algn="l"/>
+                <a:tab pos="3590925" algn="l"/>
+              </a:tabLst>
+            </a:pPr>
+            <a:endParaRPr lang="de-DE" sz="1800" dirty="0"/>
+          </a:p>
+          <a:p>
+            <a:pPr marL="0" indent="0">
+              <a:buNone/>
+              <a:tabLst>
+                <a:tab pos="1616075" algn="l"/>
+                <a:tab pos="3590925" algn="l"/>
+              </a:tabLst>
+            </a:pPr>
+            <a:r>
+              <a:rPr lang="de-DE" sz="1800" b="1" dirty="0"/>
+              <a:t>10:30 - 11:00	</a:t>
+            </a:r>
+            <a:r>
+              <a:rPr lang="de-DE" sz="1800" b="1" dirty="0" smtClean="0"/>
+              <a:t>Break</a:t>
+            </a:r>
+            <a:endParaRPr lang="de-DE" sz="1800" b="1" dirty="0"/>
           </a:p>
         </p:txBody>
       </p:sp>
@@ -3195,7 +3979,7 @@
             <a:fld id="{DF4DF032-40E7-4198-BBCB-DA8E7ED0C5DD}" type="slidenum">
               <a:rPr lang="de-DE" altLang="en-US" smtClean="0"/>
               <a:pPr/>
-              <a:t>10</a:t>
+              <a:t>13</a:t>
             </a:fld>
             <a:endParaRPr lang="de-DE" altLang="en-US" dirty="0"/>
           </a:p>
@@ -3204,7 +3988,762 @@
     </p:spTree>
     <p:extLst>
       <p:ext uri="{BB962C8B-B14F-4D97-AF65-F5344CB8AC3E}">
-        <p14:creationId xmlns:p14="http://schemas.microsoft.com/office/powerpoint/2010/main" val="2947555326"/>
+        <p14:creationId xmlns:p14="http://schemas.microsoft.com/office/powerpoint/2010/main" val="2340556106"/>
+      </p:ext>
+    </p:extLst>
+  </p:cSld>
+  <p:clrMapOvr>
+    <a:masterClrMapping/>
+  </p:clrMapOvr>
+</p:sld>
+</file>
+
+<file path=ppt/slides/slide14.xml><?xml version="1.0" encoding="utf-8"?>
+<p:sld xmlns:a="http://schemas.openxmlformats.org/drawingml/2006/main" xmlns:r="http://schemas.openxmlformats.org/officeDocument/2006/relationships" xmlns:p="http://schemas.openxmlformats.org/presentationml/2006/main">
+  <p:cSld>
+    <p:spTree>
+      <p:nvGrpSpPr>
+        <p:cNvPr id="1" name=""/>
+        <p:cNvGrpSpPr/>
+        <p:nvPr/>
+      </p:nvGrpSpPr>
+      <p:grpSpPr>
+        <a:xfrm>
+          <a:off x="0" y="0"/>
+          <a:ext cx="0" cy="0"/>
+          <a:chOff x="0" y="0"/>
+          <a:chExt cx="0" cy="0"/>
+        </a:xfrm>
+      </p:grpSpPr>
+      <p:sp>
+        <p:nvSpPr>
+          <p:cNvPr id="2" name="Title 1"/>
+          <p:cNvSpPr>
+            <a:spLocks noGrp="1"/>
+          </p:cNvSpPr>
+          <p:nvPr>
+            <p:ph type="title"/>
+          </p:nvPr>
+        </p:nvSpPr>
+        <p:spPr/>
+        <p:txBody>
+          <a:bodyPr/>
+          <a:lstStyle/>
+          <a:p>
+            <a:r>
+              <a:rPr lang="de-DE" dirty="0" smtClean="0"/>
+              <a:t>LD4LT Workshop @ LDK-2021</a:t>
+            </a:r>
+            <a:endParaRPr lang="de-DE" dirty="0"/>
+          </a:p>
+        </p:txBody>
+      </p:sp>
+      <p:sp>
+        <p:nvSpPr>
+          <p:cNvPr id="3" name="Content Placeholder 2"/>
+          <p:cNvSpPr>
+            <a:spLocks noGrp="1"/>
+          </p:cNvSpPr>
+          <p:nvPr>
+            <p:ph idx="1"/>
+          </p:nvPr>
+        </p:nvSpPr>
+        <p:spPr>
+          <a:xfrm>
+            <a:off x="457200" y="1002506"/>
+            <a:ext cx="8229600" cy="3398044"/>
+          </a:xfrm>
+        </p:spPr>
+        <p:txBody>
+          <a:bodyPr/>
+          <a:lstStyle/>
+          <a:p>
+            <a:pPr marL="0" indent="0">
+              <a:buNone/>
+              <a:tabLst>
+                <a:tab pos="1616075" algn="l"/>
+                <a:tab pos="3140075" algn="l"/>
+              </a:tabLst>
+            </a:pPr>
+            <a:r>
+              <a:rPr lang="de-DE" sz="1800" b="1" dirty="0" smtClean="0"/>
+              <a:t>11:00 - 11:40	Discussion</a:t>
+            </a:r>
+            <a:endParaRPr lang="de-DE" sz="1800" dirty="0" smtClean="0"/>
+          </a:p>
+          <a:p>
+            <a:pPr>
+              <a:tabLst>
+                <a:tab pos="1616075" algn="l"/>
+                <a:tab pos="3590925" algn="l"/>
+              </a:tabLst>
+            </a:pPr>
+            <a:r>
+              <a:rPr lang="lt-LT" sz="1800" i="1" dirty="0" smtClean="0"/>
+              <a:t>QA</a:t>
+            </a:r>
+            <a:r>
+              <a:rPr lang="lt-LT" sz="1800" i="1" dirty="0"/>
+              <a:t>: What is missing? What is unclear? Where are problems</a:t>
+            </a:r>
+            <a:r>
+              <a:rPr lang="lt-LT" sz="1800" i="1" dirty="0" smtClean="0"/>
+              <a:t>?</a:t>
+            </a:r>
+            <a:endParaRPr lang="lt-LT" sz="1800" i="1" dirty="0"/>
+          </a:p>
+          <a:p>
+            <a:pPr>
+              <a:tabLst>
+                <a:tab pos="1616075" algn="l"/>
+                <a:tab pos="3590925" algn="l"/>
+              </a:tabLst>
+            </a:pPr>
+            <a:r>
+              <a:rPr lang="lt-LT" sz="1800" i="1" dirty="0" smtClean="0"/>
+              <a:t>Summary </a:t>
+            </a:r>
+            <a:r>
+              <a:rPr lang="lt-LT" sz="1800" i="1" dirty="0"/>
+              <a:t>of LD4LT Discussions on Linguistic </a:t>
+            </a:r>
+            <a:r>
+              <a:rPr lang="lt-LT" sz="1800" i="1" dirty="0" smtClean="0"/>
+              <a:t>Annotation</a:t>
+            </a:r>
+            <a:endParaRPr lang="de-DE" sz="1800" i="1" dirty="0" smtClean="0"/>
+          </a:p>
+          <a:p>
+            <a:pPr marL="0" indent="0">
+              <a:buNone/>
+              <a:tabLst>
+                <a:tab pos="1616075" algn="l"/>
+                <a:tab pos="3590925" algn="l"/>
+              </a:tabLst>
+            </a:pPr>
+            <a:endParaRPr lang="de-DE" sz="1800" b="1" dirty="0" smtClean="0"/>
+          </a:p>
+          <a:p>
+            <a:pPr marL="0" indent="0">
+              <a:buNone/>
+              <a:tabLst>
+                <a:tab pos="1616075" algn="l"/>
+                <a:tab pos="3590925" algn="l"/>
+              </a:tabLst>
+            </a:pPr>
+            <a:r>
+              <a:rPr lang="lt-LT" sz="1800" b="1" dirty="0" smtClean="0"/>
+              <a:t>11:40 </a:t>
+            </a:r>
+            <a:r>
+              <a:rPr lang="lt-LT" sz="1800" b="1" dirty="0"/>
+              <a:t>- 12:30	Use Cases, Experiences, Extensions	</a:t>
+            </a:r>
+          </a:p>
+          <a:p>
+            <a:pPr>
+              <a:tabLst>
+                <a:tab pos="1616075" algn="l"/>
+                <a:tab pos="3590925" algn="l"/>
+              </a:tabLst>
+            </a:pPr>
+            <a:r>
+              <a:rPr lang="lt-LT" sz="1800" i="1" dirty="0" smtClean="0"/>
+              <a:t>Linking Latin</a:t>
+            </a:r>
+            <a:r>
+              <a:rPr lang="de-DE" sz="1800" i="1" dirty="0" smtClean="0"/>
+              <a:t>		</a:t>
+            </a:r>
+            <a:r>
+              <a:rPr lang="lt-LT" sz="1800" dirty="0" smtClean="0"/>
+              <a:t>Francesco </a:t>
+            </a:r>
+            <a:r>
+              <a:rPr lang="lt-LT" sz="1800" dirty="0"/>
+              <a:t>Mambrini</a:t>
+            </a:r>
+          </a:p>
+          <a:p>
+            <a:pPr>
+              <a:tabLst>
+                <a:tab pos="1616075" algn="l"/>
+                <a:tab pos="3590925" algn="l"/>
+              </a:tabLst>
+            </a:pPr>
+            <a:r>
+              <a:rPr lang="lt-LT" sz="1800" i="1" dirty="0" smtClean="0"/>
+              <a:t>Distributed </a:t>
+            </a:r>
+            <a:r>
+              <a:rPr lang="lt-LT" sz="1800" i="1" dirty="0"/>
+              <a:t>Text Services	</a:t>
+            </a:r>
+            <a:r>
+              <a:rPr lang="lt-LT" sz="1800" dirty="0"/>
+              <a:t>NN</a:t>
+            </a:r>
+          </a:p>
+          <a:p>
+            <a:pPr>
+              <a:tabLst>
+                <a:tab pos="1616075" algn="l"/>
+                <a:tab pos="3590925" algn="l"/>
+              </a:tabLst>
+            </a:pPr>
+            <a:r>
+              <a:rPr lang="lt-LT" sz="1800" i="1" dirty="0" smtClean="0"/>
+              <a:t>Interlinear </a:t>
+            </a:r>
+            <a:r>
+              <a:rPr lang="lt-LT" sz="1800" i="1" dirty="0"/>
+              <a:t>Glossed Text	</a:t>
+            </a:r>
+            <a:r>
+              <a:rPr lang="lt-LT" sz="1800" dirty="0"/>
+              <a:t>Maxim Ionov</a:t>
+            </a:r>
+          </a:p>
+          <a:p>
+            <a:pPr>
+              <a:tabLst>
+                <a:tab pos="1616075" algn="l"/>
+                <a:tab pos="3590925" algn="l"/>
+              </a:tabLst>
+            </a:pPr>
+            <a:r>
+              <a:rPr lang="lt-LT" sz="1800" i="1" dirty="0" smtClean="0"/>
+              <a:t>Discourse Research</a:t>
+            </a:r>
+            <a:r>
+              <a:rPr lang="de-DE" sz="1800" i="1" dirty="0" smtClean="0"/>
+              <a:t>	</a:t>
+            </a:r>
+            <a:r>
+              <a:rPr lang="lt-LT" sz="1800" dirty="0" smtClean="0"/>
+              <a:t>Giedre </a:t>
+            </a:r>
+            <a:r>
+              <a:rPr lang="lt-LT" sz="1800" dirty="0"/>
+              <a:t>Valunaite Oleskevicienė</a:t>
+            </a:r>
+          </a:p>
+          <a:p>
+            <a:pPr>
+              <a:tabLst>
+                <a:tab pos="1616075" algn="l"/>
+                <a:tab pos="3590925" algn="l"/>
+              </a:tabLst>
+            </a:pPr>
+            <a:r>
+              <a:rPr lang="lt-LT" sz="1800" i="1" dirty="0" smtClean="0"/>
+              <a:t>Transforming </a:t>
+            </a:r>
+            <a:r>
+              <a:rPr lang="lt-LT" sz="1800" i="1" dirty="0"/>
+              <a:t>Language </a:t>
+            </a:r>
+            <a:r>
+              <a:rPr lang="lt-LT" sz="1800" i="1" dirty="0" smtClean="0"/>
+              <a:t>Resources</a:t>
+            </a:r>
+            <a:r>
+              <a:rPr lang="de-DE" sz="1800" i="1" dirty="0" smtClean="0"/>
+              <a:t>	</a:t>
+            </a:r>
+            <a:r>
+              <a:rPr lang="lt-LT" sz="1800" dirty="0" smtClean="0"/>
+              <a:t>Christian Fäth</a:t>
+            </a:r>
+            <a:endParaRPr lang="de-DE" sz="1800" dirty="0" smtClean="0"/>
+          </a:p>
+          <a:p>
+            <a:pPr>
+              <a:tabLst>
+                <a:tab pos="1616075" algn="l"/>
+                <a:tab pos="3590925" algn="l"/>
+              </a:tabLst>
+            </a:pPr>
+            <a:endParaRPr lang="lt-LT" sz="1800" dirty="0"/>
+          </a:p>
+          <a:p>
+            <a:pPr marL="0" indent="0">
+              <a:buNone/>
+              <a:tabLst>
+                <a:tab pos="1616075" algn="l"/>
+                <a:tab pos="3590925" algn="l"/>
+              </a:tabLst>
+            </a:pPr>
+            <a:r>
+              <a:rPr lang="lt-LT" sz="1800" b="1" dirty="0" smtClean="0"/>
+              <a:t>12:30-1</a:t>
+            </a:r>
+            <a:r>
+              <a:rPr lang="de-DE" sz="1800" b="1" dirty="0" smtClean="0"/>
+              <a:t>3</a:t>
+            </a:r>
+            <a:r>
+              <a:rPr lang="lt-LT" sz="1800" b="1" dirty="0" smtClean="0"/>
+              <a:t>:</a:t>
+            </a:r>
+            <a:r>
+              <a:rPr lang="de-DE" sz="1800" b="1" dirty="0" smtClean="0"/>
+              <a:t>0</a:t>
+            </a:r>
+            <a:r>
+              <a:rPr lang="lt-LT" sz="1800" b="1" dirty="0" smtClean="0"/>
+              <a:t>0</a:t>
+            </a:r>
+            <a:r>
+              <a:rPr lang="lt-LT" sz="1800" b="1" dirty="0"/>
+              <a:t>	</a:t>
+            </a:r>
+            <a:r>
+              <a:rPr lang="lt-LT" sz="1800" b="1" dirty="0" smtClean="0"/>
+              <a:t>Brainstorming</a:t>
+            </a:r>
+            <a:r>
+              <a:rPr lang="de-DE" sz="1800" b="1" dirty="0"/>
+              <a:t> </a:t>
+            </a:r>
+            <a:r>
+              <a:rPr lang="de-DE" sz="1800" b="1" dirty="0" smtClean="0"/>
+              <a:t>&amp; Next Steps</a:t>
+            </a:r>
+            <a:endParaRPr lang="lt-LT" sz="1800" dirty="0"/>
+          </a:p>
+          <a:p>
+            <a:pPr>
+              <a:tabLst>
+                <a:tab pos="1616075" algn="l"/>
+                <a:tab pos="3590925" algn="l"/>
+              </a:tabLst>
+            </a:pPr>
+            <a:endParaRPr lang="lt-LT" sz="1800" dirty="0"/>
+          </a:p>
+          <a:p>
+            <a:pPr>
+              <a:tabLst>
+                <a:tab pos="1616075" algn="l"/>
+                <a:tab pos="3590925" algn="l"/>
+              </a:tabLst>
+            </a:pPr>
+            <a:endParaRPr lang="de-DE" sz="1800" dirty="0"/>
+          </a:p>
+        </p:txBody>
+      </p:sp>
+      <p:sp>
+        <p:nvSpPr>
+          <p:cNvPr id="4" name="Slide Number Placeholder 3"/>
+          <p:cNvSpPr>
+            <a:spLocks noGrp="1"/>
+          </p:cNvSpPr>
+          <p:nvPr>
+            <p:ph type="sldNum" sz="quarter" idx="4"/>
+          </p:nvPr>
+        </p:nvSpPr>
+        <p:spPr/>
+        <p:txBody>
+          <a:bodyPr/>
+          <a:lstStyle/>
+          <a:p>
+            <a:fld id="{DF4DF032-40E7-4198-BBCB-DA8E7ED0C5DD}" type="slidenum">
+              <a:rPr lang="de-DE" altLang="en-US" smtClean="0"/>
+              <a:pPr/>
+              <a:t>14</a:t>
+            </a:fld>
+            <a:endParaRPr lang="de-DE" altLang="en-US" dirty="0"/>
+          </a:p>
+        </p:txBody>
+      </p:sp>
+    </p:spTree>
+    <p:extLst>
+      <p:ext uri="{BB962C8B-B14F-4D97-AF65-F5344CB8AC3E}">
+        <p14:creationId xmlns:p14="http://schemas.microsoft.com/office/powerpoint/2010/main" val="3400237048"/>
+      </p:ext>
+    </p:extLst>
+  </p:cSld>
+  <p:clrMapOvr>
+    <a:masterClrMapping/>
+  </p:clrMapOvr>
+</p:sld>
+</file>
+
+<file path=ppt/slides/slide15.xml><?xml version="1.0" encoding="utf-8"?>
+<p:sld xmlns:a="http://schemas.openxmlformats.org/drawingml/2006/main" xmlns:r="http://schemas.openxmlformats.org/officeDocument/2006/relationships" xmlns:p="http://schemas.openxmlformats.org/presentationml/2006/main">
+  <p:cSld>
+    <p:spTree>
+      <p:nvGrpSpPr>
+        <p:cNvPr id="1" name=""/>
+        <p:cNvGrpSpPr/>
+        <p:nvPr/>
+      </p:nvGrpSpPr>
+      <p:grpSpPr>
+        <a:xfrm>
+          <a:off x="0" y="0"/>
+          <a:ext cx="0" cy="0"/>
+          <a:chOff x="0" y="0"/>
+          <a:chExt cx="0" cy="0"/>
+        </a:xfrm>
+      </p:grpSpPr>
+      <p:sp>
+        <p:nvSpPr>
+          <p:cNvPr id="2" name="Title 1"/>
+          <p:cNvSpPr>
+            <a:spLocks noGrp="1"/>
+          </p:cNvSpPr>
+          <p:nvPr>
+            <p:ph type="title"/>
+          </p:nvPr>
+        </p:nvSpPr>
+        <p:spPr/>
+        <p:txBody>
+          <a:bodyPr/>
+          <a:lstStyle/>
+          <a:p>
+            <a:r>
+              <a:rPr lang="de-DE" dirty="0"/>
+              <a:t>LD4LT Workshop @ LDK-2021</a:t>
+            </a:r>
+          </a:p>
+        </p:txBody>
+      </p:sp>
+      <p:sp>
+        <p:nvSpPr>
+          <p:cNvPr id="3" name="Content Placeholder 2"/>
+          <p:cNvSpPr>
+            <a:spLocks noGrp="1"/>
+          </p:cNvSpPr>
+          <p:nvPr>
+            <p:ph idx="1"/>
+          </p:nvPr>
+        </p:nvSpPr>
+        <p:spPr>
+          <a:xfrm>
+            <a:off x="457200" y="971550"/>
+            <a:ext cx="8229600" cy="3398044"/>
+          </a:xfrm>
+        </p:spPr>
+        <p:txBody>
+          <a:bodyPr/>
+          <a:lstStyle/>
+          <a:p>
+            <a:r>
+              <a:rPr lang="de-DE" dirty="0" smtClean="0"/>
+              <a:t>primary goals </a:t>
+            </a:r>
+          </a:p>
+          <a:p>
+            <a:pPr lvl="1"/>
+            <a:r>
+              <a:rPr lang="de-DE" dirty="0" smtClean="0"/>
+              <a:t>provide and collect background information</a:t>
+            </a:r>
+          </a:p>
+          <a:p>
+            <a:pPr lvl="1"/>
+            <a:r>
+              <a:rPr lang="de-DE" dirty="0" smtClean="0"/>
+              <a:t>present and discuss use cases and requirement</a:t>
+            </a:r>
+          </a:p>
+          <a:p>
+            <a:pPr lvl="1"/>
+            <a:r>
+              <a:rPr lang="de-DE" dirty="0" smtClean="0"/>
+              <a:t>initiate and plan future discussions</a:t>
+            </a:r>
+          </a:p>
+          <a:p>
+            <a:r>
+              <a:rPr lang="de-DE" dirty="0" smtClean="0"/>
+              <a:t>we record background presentations</a:t>
+            </a:r>
+          </a:p>
+          <a:p>
+            <a:pPr lvl="1"/>
+            <a:r>
+              <a:rPr lang="de-DE" dirty="0" smtClean="0"/>
+              <a:t>for future reference</a:t>
+            </a:r>
+          </a:p>
+          <a:p>
+            <a:pPr lvl="1"/>
+            <a:r>
+              <a:rPr lang="de-DE" dirty="0" smtClean="0"/>
+              <a:t>if you don‘t want to be recorded, please switch off camera and join the discussion via chat</a:t>
+            </a:r>
+          </a:p>
+          <a:p>
+            <a:pPr lvl="1"/>
+            <a:endParaRPr lang="de-DE" dirty="0"/>
+          </a:p>
+        </p:txBody>
+      </p:sp>
+      <p:sp>
+        <p:nvSpPr>
+          <p:cNvPr id="4" name="Slide Number Placeholder 3"/>
+          <p:cNvSpPr>
+            <a:spLocks noGrp="1"/>
+          </p:cNvSpPr>
+          <p:nvPr>
+            <p:ph type="sldNum" sz="quarter" idx="4"/>
+          </p:nvPr>
+        </p:nvSpPr>
+        <p:spPr/>
+        <p:txBody>
+          <a:bodyPr/>
+          <a:lstStyle/>
+          <a:p>
+            <a:fld id="{DF4DF032-40E7-4198-BBCB-DA8E7ED0C5DD}" type="slidenum">
+              <a:rPr lang="de-DE" altLang="en-US" smtClean="0"/>
+              <a:pPr/>
+              <a:t>15</a:t>
+            </a:fld>
+            <a:endParaRPr lang="de-DE" altLang="en-US" dirty="0"/>
+          </a:p>
+        </p:txBody>
+      </p:sp>
+    </p:spTree>
+    <p:extLst>
+      <p:ext uri="{BB962C8B-B14F-4D97-AF65-F5344CB8AC3E}">
+        <p14:creationId xmlns:p14="http://schemas.microsoft.com/office/powerpoint/2010/main" val="1491645637"/>
+      </p:ext>
+    </p:extLst>
+  </p:cSld>
+  <p:clrMapOvr>
+    <a:masterClrMapping/>
+  </p:clrMapOvr>
+</p:sld>
+</file>
+
+<file path=ppt/slides/slide16.xml><?xml version="1.0" encoding="utf-8"?>
+<p:sld xmlns:a="http://schemas.openxmlformats.org/drawingml/2006/main" xmlns:r="http://schemas.openxmlformats.org/officeDocument/2006/relationships" xmlns:p="http://schemas.openxmlformats.org/presentationml/2006/main">
+  <p:cSld>
+    <p:spTree>
+      <p:nvGrpSpPr>
+        <p:cNvPr id="1" name=""/>
+        <p:cNvGrpSpPr/>
+        <p:nvPr/>
+      </p:nvGrpSpPr>
+      <p:grpSpPr>
+        <a:xfrm>
+          <a:off x="0" y="0"/>
+          <a:ext cx="0" cy="0"/>
+          <a:chOff x="0" y="0"/>
+          <a:chExt cx="0" cy="0"/>
+        </a:xfrm>
+      </p:grpSpPr>
+      <p:sp>
+        <p:nvSpPr>
+          <p:cNvPr id="2" name="Title 1"/>
+          <p:cNvSpPr>
+            <a:spLocks noGrp="1"/>
+          </p:cNvSpPr>
+          <p:nvPr>
+            <p:ph type="title"/>
+          </p:nvPr>
+        </p:nvSpPr>
+        <p:spPr/>
+        <p:txBody>
+          <a:bodyPr/>
+          <a:lstStyle/>
+          <a:p>
+            <a:r>
+              <a:rPr lang="de-DE" dirty="0"/>
+              <a:t>LD4LT Workshop @ LDK-2021</a:t>
+            </a:r>
+          </a:p>
+        </p:txBody>
+      </p:sp>
+      <p:sp>
+        <p:nvSpPr>
+          <p:cNvPr id="3" name="Content Placeholder 2"/>
+          <p:cNvSpPr>
+            <a:spLocks noGrp="1"/>
+          </p:cNvSpPr>
+          <p:nvPr>
+            <p:ph idx="1"/>
+          </p:nvPr>
+        </p:nvSpPr>
+        <p:spPr/>
+        <p:txBody>
+          <a:bodyPr/>
+          <a:lstStyle/>
+          <a:p>
+            <a:r>
+              <a:rPr lang="de-DE" dirty="0" smtClean="0"/>
+              <a:t>held in conjunction with</a:t>
+            </a:r>
+          </a:p>
+          <a:p>
+            <a:pPr lvl="1"/>
+            <a:r>
+              <a:rPr lang="de-DE" dirty="0" smtClean="0"/>
+              <a:t>3rd Conference on Language, Data and Knowledge (LDK-2021)</a:t>
+            </a:r>
+          </a:p>
+          <a:p>
+            <a:pPr lvl="1"/>
+            <a:r>
+              <a:rPr lang="de-DE" dirty="0" smtClean="0"/>
+              <a:t>Face-to-face meeting of the W3C CG Ontology-Lexica</a:t>
+            </a:r>
+          </a:p>
+          <a:p>
+            <a:r>
+              <a:rPr lang="de-DE" dirty="0" smtClean="0"/>
+              <a:t>organized in cooperation between</a:t>
+            </a:r>
+          </a:p>
+          <a:p>
+            <a:pPr lvl="1"/>
+            <a:r>
+              <a:rPr lang="de-DE" dirty="0" smtClean="0"/>
+              <a:t>W3C CG LD4LT</a:t>
+            </a:r>
+          </a:p>
+          <a:p>
+            <a:pPr lvl="1"/>
+            <a:r>
+              <a:rPr lang="de-DE" dirty="0" smtClean="0"/>
+              <a:t>Cost Action Nexus Linguarum, T1.1</a:t>
+            </a:r>
+          </a:p>
+        </p:txBody>
+      </p:sp>
+      <p:sp>
+        <p:nvSpPr>
+          <p:cNvPr id="4" name="Slide Number Placeholder 3"/>
+          <p:cNvSpPr>
+            <a:spLocks noGrp="1"/>
+          </p:cNvSpPr>
+          <p:nvPr>
+            <p:ph type="sldNum" sz="quarter" idx="4"/>
+          </p:nvPr>
+        </p:nvSpPr>
+        <p:spPr/>
+        <p:txBody>
+          <a:bodyPr/>
+          <a:lstStyle/>
+          <a:p>
+            <a:fld id="{DF4DF032-40E7-4198-BBCB-DA8E7ED0C5DD}" type="slidenum">
+              <a:rPr lang="de-DE" altLang="en-US" smtClean="0"/>
+              <a:pPr/>
+              <a:t>16</a:t>
+            </a:fld>
+            <a:endParaRPr lang="de-DE" altLang="en-US" dirty="0"/>
+          </a:p>
+        </p:txBody>
+      </p:sp>
+    </p:spTree>
+    <p:extLst>
+      <p:ext uri="{BB962C8B-B14F-4D97-AF65-F5344CB8AC3E}">
+        <p14:creationId xmlns:p14="http://schemas.microsoft.com/office/powerpoint/2010/main" val="847364642"/>
+      </p:ext>
+    </p:extLst>
+  </p:cSld>
+  <p:clrMapOvr>
+    <a:masterClrMapping/>
+  </p:clrMapOvr>
+</p:sld>
+</file>
+
+<file path=ppt/slides/slide17.xml><?xml version="1.0" encoding="utf-8"?>
+<p:sld xmlns:a="http://schemas.openxmlformats.org/drawingml/2006/main" xmlns:r="http://schemas.openxmlformats.org/officeDocument/2006/relationships" xmlns:p="http://schemas.openxmlformats.org/presentationml/2006/main">
+  <p:cSld>
+    <p:spTree>
+      <p:nvGrpSpPr>
+        <p:cNvPr id="1" name=""/>
+        <p:cNvGrpSpPr/>
+        <p:nvPr/>
+      </p:nvGrpSpPr>
+      <p:grpSpPr>
+        <a:xfrm>
+          <a:off x="0" y="0"/>
+          <a:ext cx="0" cy="0"/>
+          <a:chOff x="0" y="0"/>
+          <a:chExt cx="0" cy="0"/>
+        </a:xfrm>
+      </p:grpSpPr>
+      <p:sp>
+        <p:nvSpPr>
+          <p:cNvPr id="2" name="Title 1"/>
+          <p:cNvSpPr>
+            <a:spLocks noGrp="1"/>
+          </p:cNvSpPr>
+          <p:nvPr>
+            <p:ph type="title"/>
+          </p:nvPr>
+        </p:nvSpPr>
+        <p:spPr/>
+        <p:txBody>
+          <a:bodyPr/>
+          <a:lstStyle/>
+          <a:p>
+            <a:r>
+              <a:rPr lang="de-DE" dirty="0" smtClean="0"/>
+              <a:t>TODO</a:t>
+            </a:r>
+            <a:endParaRPr lang="de-DE" dirty="0"/>
+          </a:p>
+        </p:txBody>
+      </p:sp>
+      <p:sp>
+        <p:nvSpPr>
+          <p:cNvPr id="3" name="Content Placeholder 2"/>
+          <p:cNvSpPr>
+            <a:spLocks noGrp="1"/>
+          </p:cNvSpPr>
+          <p:nvPr>
+            <p:ph idx="1"/>
+          </p:nvPr>
+        </p:nvSpPr>
+        <p:spPr/>
+        <p:txBody>
+          <a:bodyPr/>
+          <a:lstStyle/>
+          <a:p>
+            <a:r>
+              <a:rPr lang="de-DE" dirty="0" smtClean="0"/>
+              <a:t>add </a:t>
+            </a:r>
+            <a:r>
+              <a:rPr lang="de-DE" dirty="0" smtClean="0"/>
+              <a:t>links to minutes document and github</a:t>
+            </a:r>
+            <a:endParaRPr lang="de-DE" dirty="0"/>
+          </a:p>
+        </p:txBody>
+      </p:sp>
+      <p:sp>
+        <p:nvSpPr>
+          <p:cNvPr id="4" name="Slide Number Placeholder 3"/>
+          <p:cNvSpPr>
+            <a:spLocks noGrp="1"/>
+          </p:cNvSpPr>
+          <p:nvPr>
+            <p:ph type="sldNum" sz="quarter" idx="4"/>
+          </p:nvPr>
+        </p:nvSpPr>
+        <p:spPr/>
+        <p:txBody>
+          <a:bodyPr/>
+          <a:lstStyle/>
+          <a:p>
+            <a:fld id="{DF4DF032-40E7-4198-BBCB-DA8E7ED0C5DD}" type="slidenum">
+              <a:rPr lang="de-DE" altLang="en-US" smtClean="0"/>
+              <a:pPr/>
+              <a:t>17</a:t>
+            </a:fld>
+            <a:endParaRPr lang="de-DE" altLang="en-US" dirty="0"/>
+          </a:p>
+        </p:txBody>
+      </p:sp>
+    </p:spTree>
+    <p:extLst>
+      <p:ext uri="{BB962C8B-B14F-4D97-AF65-F5344CB8AC3E}">
+        <p14:creationId xmlns:p14="http://schemas.microsoft.com/office/powerpoint/2010/main" val="449863014"/>
       </p:ext>
     </p:extLst>
   </p:cSld>
@@ -3289,43 +4828,20 @@
           <a:p>
             <a:pPr lvl="2"/>
             <a:r>
-              <a:rPr lang="de-DE" dirty="0" smtClean="0"/>
-              <a:t>close ties with FP7 project LIDER (2013-2015)</a:t>
-            </a:r>
-          </a:p>
-          <a:p>
-            <a:pPr lvl="3"/>
-            <a:r>
-              <a:rPr lang="de-DE" i="1" u="sng" dirty="0" smtClean="0"/>
-              <a:t>Li</a:t>
-            </a:r>
-            <a:r>
-              <a:rPr lang="de-DE" i="1" dirty="0" smtClean="0"/>
-              <a:t>nked </a:t>
-            </a:r>
-            <a:r>
-              <a:rPr lang="de-DE" i="1" u="sng" dirty="0" smtClean="0"/>
-              <a:t>D</a:t>
-            </a:r>
-            <a:r>
-              <a:rPr lang="de-DE" i="1" dirty="0" smtClean="0"/>
-              <a:t>ata as an enabl</a:t>
-            </a:r>
-            <a:r>
-              <a:rPr lang="de-DE" i="1" u="sng" dirty="0" smtClean="0"/>
-              <a:t>er</a:t>
-            </a:r>
-            <a:r>
-              <a:rPr lang="de-DE" i="1" dirty="0" smtClean="0"/>
-              <a:t> of cross-media and multilingual content analytics</a:t>
-            </a:r>
-          </a:p>
-          <a:p>
-            <a:pPr lvl="3"/>
-            <a:r>
-              <a:rPr lang="de-DE" dirty="0" smtClean="0"/>
-              <a:t>and follow-up projects</a:t>
-            </a:r>
+              <a:rPr lang="en-US" dirty="0"/>
+              <a:t>address use cases and requirements for Language Technology Applications that use Linked Data</a:t>
+            </a:r>
+          </a:p>
+          <a:p>
+            <a:pPr lvl="2">
+              <a:buFont typeface="Symbol"/>
+              <a:buChar char="Þ"/>
+            </a:pPr>
+            <a:r>
+              <a:rPr lang="en-US" dirty="0" smtClean="0"/>
+              <a:t>interoperability</a:t>
+            </a:r>
+            <a:endParaRPr lang="de-DE" dirty="0" smtClean="0"/>
           </a:p>
           <a:p>
             <a:pPr lvl="1"/>
@@ -3378,6 +4894,48 @@
               <a:t>2</a:t>
             </a:fld>
             <a:endParaRPr lang="de-DE" altLang="en-US" dirty="0"/>
+          </a:p>
+        </p:txBody>
+      </p:sp>
+      <p:sp>
+        <p:nvSpPr>
+          <p:cNvPr id="5" name="TextBox 4"/>
+          <p:cNvSpPr txBox="1"/>
+          <p:nvPr/>
+        </p:nvSpPr>
+        <p:spPr>
+          <a:xfrm>
+            <a:off x="5638800" y="742950"/>
+            <a:ext cx="3459793" cy="315471"/>
+          </a:xfrm>
+          <a:prstGeom prst="rect">
+            <a:avLst/>
+          </a:prstGeom>
+          <a:noFill/>
+        </p:spPr>
+        <p:txBody>
+          <a:bodyPr wrap="none" lIns="68580" tIns="34290" rIns="68580" bIns="34290" rtlCol="0">
+            <a:spAutoFit/>
+          </a:bodyPr>
+          <a:lstStyle/>
+          <a:p>
+            <a:r>
+              <a:rPr lang="de-DE" sz="1600" dirty="0">
+                <a:hlinkClick r:id="rId2"/>
+              </a:rPr>
+              <a:t>https://www.w3.org/community/ld4lt</a:t>
+            </a:r>
+            <a:r>
+              <a:rPr lang="de-DE" sz="1600" dirty="0" smtClean="0">
+                <a:hlinkClick r:id="rId2"/>
+              </a:rPr>
+              <a:t>/</a:t>
+            </a:r>
+            <a:r>
+              <a:rPr lang="de-DE" sz="1600" dirty="0" smtClean="0"/>
+              <a:t> </a:t>
+            </a:r>
+            <a:endParaRPr lang="de-DE" sz="1600" dirty="0"/>
           </a:p>
         </p:txBody>
       </p:sp>
@@ -4013,11 +5571,7 @@
             <a:pPr algn="r"/>
             <a:r>
               <a:rPr lang="de-DE" dirty="0" smtClean="0"/>
-              <a:t>		</a:t>
-            </a:r>
-            <a:r>
-              <a:rPr lang="de-DE" dirty="0" smtClean="0"/>
-              <a:t>Linked Data and Language</a:t>
+              <a:t>		Linked Data and Language</a:t>
             </a:r>
             <a:br>
               <a:rPr lang="de-DE" dirty="0" smtClean="0"/>
@@ -5052,11 +6606,7 @@
             <a:pPr algn="r"/>
             <a:r>
               <a:rPr lang="de-DE" dirty="0" smtClean="0"/>
-              <a:t>		</a:t>
-            </a:r>
-            <a:r>
-              <a:rPr lang="de-DE" dirty="0" smtClean="0"/>
-              <a:t>Linked Data </a:t>
+              <a:t>		Linked Data </a:t>
             </a:r>
             <a:r>
               <a:rPr lang="de-DE" dirty="0"/>
@@ -5069,7 +6619,6 @@
               <a:rPr lang="de-DE" dirty="0"/>
               <a:t>Technology</a:t>
             </a:r>
-            <a:endParaRPr lang="de-DE" dirty="0"/>
           </a:p>
         </p:txBody>
       </p:sp>
@@ -6100,11 +7649,7 @@
             <a:pPr algn="r"/>
             <a:r>
               <a:rPr lang="de-DE" dirty="0" smtClean="0"/>
-              <a:t>		</a:t>
-            </a:r>
-            <a:r>
-              <a:rPr lang="de-DE" dirty="0" smtClean="0"/>
-              <a:t>Linked Data and Language</a:t>
+              <a:t>		Linked Data and Language</a:t>
             </a:r>
             <a:br>
               <a:rPr lang="de-DE" dirty="0" smtClean="0"/>
@@ -6576,7 +8121,7 @@
           <a:p>
             <a:r>
               <a:rPr lang="de-DE" dirty="0" smtClean="0"/>
-              <a:t>LD4LT Workshop @ LDK-2021</a:t>
+              <a:t>What is Linguistic Annotation, Actually?</a:t>
             </a:r>
             <a:endParaRPr lang="de-DE" dirty="0"/>
           </a:p>
@@ -6594,216 +8139,151 @@
         </p:nvSpPr>
         <p:spPr>
           <a:xfrm>
-            <a:off x="457200" y="1231106"/>
-            <a:ext cx="8229600" cy="3398044"/>
+            <a:off x="457200" y="1200153"/>
+            <a:ext cx="4384830" cy="3394472"/>
           </a:xfrm>
         </p:spPr>
         <p:txBody>
           <a:bodyPr/>
           <a:lstStyle/>
           <a:p>
-            <a:pPr marL="0" indent="0">
-              <a:buNone/>
-              <a:tabLst>
-                <a:tab pos="1616075" algn="l"/>
-                <a:tab pos="3140075" algn="l"/>
-              </a:tabLst>
-            </a:pPr>
-            <a:r>
-              <a:rPr lang="de-DE" sz="1800" b="1" dirty="0" smtClean="0"/>
-              <a:t>09:00</a:t>
-            </a:r>
-            <a:r>
-              <a:rPr lang="de-DE" sz="1800" b="1" dirty="0"/>
-              <a:t>	</a:t>
-            </a:r>
-            <a:r>
-              <a:rPr lang="de-DE" sz="1800" b="1" dirty="0" smtClean="0"/>
-              <a:t>Welcome</a:t>
-            </a:r>
-            <a:endParaRPr lang="de-DE" sz="1800" b="1" dirty="0"/>
-          </a:p>
-          <a:p>
-            <a:pPr marL="0" indent="0">
-              <a:buNone/>
-              <a:tabLst>
-                <a:tab pos="1616075" algn="l"/>
-                <a:tab pos="3140075" algn="l"/>
-              </a:tabLst>
-            </a:pPr>
-            <a:endParaRPr lang="de-DE" sz="1800" dirty="0" smtClean="0"/>
-          </a:p>
-          <a:p>
-            <a:pPr marL="0" indent="0">
-              <a:buNone/>
-              <a:tabLst>
-                <a:tab pos="1616075" algn="l"/>
-                <a:tab pos="3140075" algn="l"/>
-              </a:tabLst>
-            </a:pPr>
-            <a:r>
-              <a:rPr lang="de-DE" sz="1800" b="1" dirty="0" smtClean="0"/>
-              <a:t>09:10 </a:t>
-            </a:r>
-            <a:r>
-              <a:rPr lang="de-DE" sz="1800" b="1" dirty="0"/>
-              <a:t>- </a:t>
-            </a:r>
-            <a:r>
-              <a:rPr lang="de-DE" sz="1800" b="1" dirty="0" smtClean="0"/>
-              <a:t>10:30	Background</a:t>
-            </a:r>
-            <a:r>
-              <a:rPr lang="de-DE" sz="1800" b="1" dirty="0"/>
-              <a:t>: Linguistic Annotation on the </a:t>
-            </a:r>
-            <a:r>
-              <a:rPr lang="de-DE" sz="1800" b="1" dirty="0" smtClean="0"/>
-              <a:t>Web</a:t>
-            </a:r>
-            <a:endParaRPr lang="de-DE" sz="1800" dirty="0" smtClean="0"/>
-          </a:p>
-          <a:p>
-            <a:pPr>
-              <a:tabLst>
-                <a:tab pos="1616075" algn="l"/>
-                <a:tab pos="3590925" algn="l"/>
-              </a:tabLst>
-            </a:pPr>
-            <a:r>
-              <a:rPr lang="de-DE" sz="1800" i="1" dirty="0" smtClean="0"/>
-              <a:t>W3C </a:t>
-            </a:r>
-            <a:r>
-              <a:rPr lang="de-DE" sz="1800" i="1" dirty="0"/>
-              <a:t>Standard Web Annotation</a:t>
-            </a:r>
-            <a:r>
-              <a:rPr lang="de-DE" sz="1800" dirty="0"/>
-              <a:t>	Christian Chiarcos</a:t>
-            </a:r>
-          </a:p>
-          <a:p>
-            <a:pPr>
-              <a:tabLst>
-                <a:tab pos="1616075" algn="l"/>
-                <a:tab pos="3590925" algn="l"/>
-              </a:tabLst>
-            </a:pPr>
-            <a:r>
-              <a:rPr lang="de-DE" sz="1800" i="1" dirty="0"/>
-              <a:t>NLP Interchange Format </a:t>
-            </a:r>
-            <a:r>
-              <a:rPr lang="de-DE" sz="1800" dirty="0"/>
-              <a:t>	Milan Dojchinovski</a:t>
-            </a:r>
-          </a:p>
-          <a:p>
-            <a:pPr>
-              <a:tabLst>
-                <a:tab pos="1616075" algn="l"/>
-                <a:tab pos="3590925" algn="l"/>
-              </a:tabLst>
-            </a:pPr>
-            <a:r>
-              <a:rPr lang="de-DE" sz="1800" i="1" dirty="0"/>
-              <a:t>Text Encoding Initiative </a:t>
-            </a:r>
-            <a:r>
-              <a:rPr lang="de-DE" sz="1800" dirty="0"/>
-              <a:t>	Fahad Khan</a:t>
-            </a:r>
-          </a:p>
-          <a:p>
-            <a:pPr>
-              <a:tabLst>
-                <a:tab pos="1616075" algn="l"/>
-                <a:tab pos="3590925" algn="l"/>
-              </a:tabLst>
-            </a:pPr>
-            <a:r>
-              <a:rPr lang="de-DE" sz="1800" i="1" dirty="0"/>
-              <a:t>ISO TC37 standards </a:t>
-            </a:r>
-            <a:r>
-              <a:rPr lang="de-DE" sz="1800" dirty="0"/>
-              <a:t>	Thierry Declerck</a:t>
-            </a:r>
-          </a:p>
-          <a:p>
-            <a:pPr>
-              <a:tabLst>
-                <a:tab pos="1616075" algn="l"/>
-                <a:tab pos="3590925" algn="l"/>
-              </a:tabLst>
-            </a:pPr>
-            <a:r>
-              <a:rPr lang="de-DE" sz="1800" i="1" dirty="0"/>
-              <a:t>Text Fragids	</a:t>
-            </a:r>
-            <a:r>
-              <a:rPr lang="de-DE" sz="1800" dirty="0" smtClean="0"/>
-              <a:t>	Joel Kalvesmaki</a:t>
-            </a:r>
-          </a:p>
-          <a:p>
-            <a:pPr>
-              <a:tabLst>
-                <a:tab pos="1616075" algn="l"/>
-                <a:tab pos="3590925" algn="l"/>
-              </a:tabLst>
-            </a:pPr>
-            <a:endParaRPr lang="de-DE" sz="1800" dirty="0"/>
-          </a:p>
-          <a:p>
-            <a:pPr marL="0" indent="0">
-              <a:buNone/>
-              <a:tabLst>
-                <a:tab pos="1616075" algn="l"/>
-                <a:tab pos="3590925" algn="l"/>
-              </a:tabLst>
-            </a:pPr>
-            <a:r>
-              <a:rPr lang="de-DE" sz="1800" b="1" dirty="0"/>
-              <a:t>10:30 - 11:00	</a:t>
-            </a:r>
-            <a:r>
-              <a:rPr lang="de-DE" sz="1800" b="1" dirty="0" smtClean="0"/>
-              <a:t>Break</a:t>
-            </a:r>
-            <a:endParaRPr lang="de-DE" sz="1800" b="1" dirty="0"/>
-          </a:p>
-        </p:txBody>
-      </p:sp>
-      <p:sp>
-        <p:nvSpPr>
-          <p:cNvPr id="4" name="Slide Number Placeholder 3"/>
-          <p:cNvSpPr>
-            <a:spLocks noGrp="1"/>
-          </p:cNvSpPr>
-          <p:nvPr>
-            <p:ph type="sldNum" sz="quarter" idx="4"/>
-          </p:nvPr>
-        </p:nvSpPr>
-        <p:spPr/>
-        <p:txBody>
-          <a:bodyPr/>
+            <a:r>
+              <a:rPr lang="de-DE" dirty="0" smtClean="0"/>
+              <a:t>Different communities of practice annotate very different things</a:t>
+            </a:r>
+            <a:endParaRPr lang="de-DE" dirty="0"/>
+          </a:p>
+        </p:txBody>
+      </p:sp>
+      <p:sp>
+        <p:nvSpPr>
+          <p:cNvPr id="4" name="TextBox 3"/>
+          <p:cNvSpPr txBox="1"/>
+          <p:nvPr/>
+        </p:nvSpPr>
+        <p:spPr>
+          <a:xfrm>
+            <a:off x="5391022" y="2343150"/>
+            <a:ext cx="3666709" cy="377026"/>
+          </a:xfrm>
+          <a:prstGeom prst="rect">
+            <a:avLst/>
+          </a:prstGeom>
+          <a:noFill/>
+        </p:spPr>
+        <p:txBody>
+          <a:bodyPr wrap="none" lIns="68580" tIns="34290" rIns="68580" bIns="34290" rtlCol="0">
+            <a:spAutoFit/>
+          </a:bodyPr>
           <a:lstStyle/>
           <a:p>
-            <a:fld id="{DF4DF032-40E7-4198-BBCB-DA8E7ED0C5DD}" type="slidenum">
-              <a:rPr lang="de-DE" altLang="en-US" smtClean="0"/>
-              <a:pPr/>
-              <a:t>6</a:t>
-            </a:fld>
-            <a:endParaRPr lang="de-DE" altLang="en-US" dirty="0"/>
+            <a:r>
+              <a:rPr lang="de-DE" sz="2000" dirty="0">
+                <a:hlinkClick r:id="rId2"/>
+              </a:rPr>
+              <a:t>https://software.sil.org/toolbox</a:t>
+            </a:r>
+            <a:r>
+              <a:rPr lang="de-DE" sz="2000" dirty="0" smtClean="0">
+                <a:hlinkClick r:id="rId2"/>
+              </a:rPr>
+              <a:t>/</a:t>
+            </a:r>
+            <a:r>
+              <a:rPr lang="de-DE" sz="2000" dirty="0" smtClean="0"/>
+              <a:t> </a:t>
+            </a:r>
+            <a:endParaRPr lang="de-DE" sz="2000" dirty="0"/>
+          </a:p>
+        </p:txBody>
+      </p:sp>
+      <p:pic>
+        <p:nvPicPr>
+          <p:cNvPr id="9219" name="Picture 3"/>
+          <p:cNvPicPr>
+            <a:picLocks noChangeAspect="1" noChangeArrowheads="1"/>
+          </p:cNvPicPr>
+          <p:nvPr/>
+        </p:nvPicPr>
+        <p:blipFill>
+          <a:blip r:embed="rId3">
+            <a:extLst>
+              <a:ext uri="{28A0092B-C50C-407E-A947-70E740481C1C}">
+                <a14:useLocalDpi xmlns:a14="http://schemas.microsoft.com/office/drawing/2010/main" val="0"/>
+              </a:ext>
+            </a:extLst>
+          </a:blip>
+          <a:srcRect/>
+          <a:stretch>
+            <a:fillRect/>
+          </a:stretch>
+        </p:blipFill>
+        <p:spPr bwMode="auto">
+          <a:xfrm>
+            <a:off x="1695360" y="2787774"/>
+            <a:ext cx="7305132" cy="2322258"/>
+          </a:xfrm>
+          <a:prstGeom prst="rect">
+            <a:avLst/>
+          </a:prstGeom>
+          <a:ln/>
+        </p:spPr>
+        <p:style>
+          <a:lnRef idx="2">
+            <a:schemeClr val="accent3"/>
+          </a:lnRef>
+          <a:fillRef idx="1">
+            <a:schemeClr val="lt1"/>
+          </a:fillRef>
+          <a:effectRef idx="0">
+            <a:schemeClr val="accent3"/>
+          </a:effectRef>
+          <a:fontRef idx="minor">
+            <a:schemeClr val="dk1"/>
+          </a:fontRef>
+        </p:style>
+      </p:pic>
+      <p:sp>
+        <p:nvSpPr>
+          <p:cNvPr id="5" name="TextBox 4"/>
+          <p:cNvSpPr txBox="1"/>
+          <p:nvPr/>
+        </p:nvSpPr>
+        <p:spPr>
+          <a:xfrm>
+            <a:off x="5410200" y="1437624"/>
+            <a:ext cx="3360536" cy="807914"/>
+          </a:xfrm>
+          <a:prstGeom prst="rect">
+            <a:avLst/>
+          </a:prstGeom>
+          <a:noFill/>
+        </p:spPr>
+        <p:txBody>
+          <a:bodyPr wrap="none" lIns="68580" tIns="34290" rIns="68580" bIns="34290" rtlCol="0">
+            <a:spAutoFit/>
+          </a:bodyPr>
+          <a:lstStyle/>
+          <a:p>
+            <a:pPr algn="ctr"/>
+            <a:r>
+              <a:rPr lang="de-DE" sz="2400" dirty="0"/>
+              <a:t>Interlinear Glossed Text</a:t>
+            </a:r>
+          </a:p>
+          <a:p>
+            <a:pPr algn="ctr"/>
+            <a:r>
+              <a:rPr lang="de-DE" sz="2400" dirty="0"/>
+              <a:t>(Toolbox)</a:t>
+            </a:r>
           </a:p>
         </p:txBody>
       </p:sp>
     </p:spTree>
     <p:extLst>
       <p:ext uri="{BB962C8B-B14F-4D97-AF65-F5344CB8AC3E}">
-        <p14:creationId xmlns:p14="http://schemas.microsoft.com/office/powerpoint/2010/main" val="2340556106"/>
+        <p14:creationId xmlns:p14="http://schemas.microsoft.com/office/powerpoint/2010/main" val="4123030846"/>
       </p:ext>
     </p:extLst>
   </p:cSld>
@@ -6847,7 +8327,7 @@
           <a:p>
             <a:r>
               <a:rPr lang="de-DE" dirty="0" smtClean="0"/>
-              <a:t>LD4LT Workshop @ LDK-2021</a:t>
+              <a:t>What is Linguistic Annotation, Actually?</a:t>
             </a:r>
             <a:endParaRPr lang="de-DE" dirty="0"/>
           </a:p>
@@ -6865,316 +8345,165 @@
         </p:nvSpPr>
         <p:spPr>
           <a:xfrm>
-            <a:off x="457200" y="1002506"/>
-            <a:ext cx="8229600" cy="3398044"/>
+            <a:off x="457200" y="1200153"/>
+            <a:ext cx="4384830" cy="3394472"/>
           </a:xfrm>
         </p:spPr>
         <p:txBody>
           <a:bodyPr/>
           <a:lstStyle/>
           <a:p>
-            <a:pPr marL="0" indent="0">
-              <a:buNone/>
-              <a:tabLst>
-                <a:tab pos="1616075" algn="l"/>
-                <a:tab pos="3140075" algn="l"/>
-              </a:tabLst>
-            </a:pPr>
-            <a:r>
-              <a:rPr lang="de-DE" sz="1800" b="1" dirty="0" smtClean="0"/>
-              <a:t>11:00 - 11:40	Discussion</a:t>
-            </a:r>
-            <a:endParaRPr lang="de-DE" sz="1800" dirty="0" smtClean="0"/>
-          </a:p>
-          <a:p>
-            <a:pPr>
-              <a:tabLst>
-                <a:tab pos="1616075" algn="l"/>
-                <a:tab pos="3590925" algn="l"/>
-              </a:tabLst>
-            </a:pPr>
-            <a:r>
-              <a:rPr lang="lt-LT" sz="1800" i="1" dirty="0" smtClean="0"/>
-              <a:t>QA</a:t>
-            </a:r>
-            <a:r>
-              <a:rPr lang="lt-LT" sz="1800" i="1" dirty="0"/>
-              <a:t>: What is missing? What is unclear? Where are problems</a:t>
-            </a:r>
-            <a:r>
-              <a:rPr lang="lt-LT" sz="1800" i="1" dirty="0" smtClean="0"/>
-              <a:t>?</a:t>
-            </a:r>
-            <a:endParaRPr lang="lt-LT" sz="1800" i="1" dirty="0"/>
-          </a:p>
-          <a:p>
-            <a:pPr>
-              <a:tabLst>
-                <a:tab pos="1616075" algn="l"/>
-                <a:tab pos="3590925" algn="l"/>
-              </a:tabLst>
-            </a:pPr>
-            <a:r>
-              <a:rPr lang="lt-LT" sz="1800" i="1" dirty="0" smtClean="0"/>
-              <a:t>Summary </a:t>
-            </a:r>
-            <a:r>
-              <a:rPr lang="lt-LT" sz="1800" i="1" dirty="0"/>
-              <a:t>of LD4LT Discussions on Linguistic </a:t>
-            </a:r>
-            <a:r>
-              <a:rPr lang="lt-LT" sz="1800" i="1" dirty="0" smtClean="0"/>
-              <a:t>Annotation</a:t>
-            </a:r>
-            <a:endParaRPr lang="de-DE" sz="1800" i="1" dirty="0" smtClean="0"/>
-          </a:p>
-          <a:p>
-            <a:pPr marL="0" indent="0">
-              <a:buNone/>
-              <a:tabLst>
-                <a:tab pos="1616075" algn="l"/>
-                <a:tab pos="3590925" algn="l"/>
-              </a:tabLst>
-            </a:pPr>
-            <a:endParaRPr lang="de-DE" sz="1800" b="1" dirty="0" smtClean="0"/>
-          </a:p>
-          <a:p>
-            <a:pPr marL="0" indent="0">
-              <a:buNone/>
-              <a:tabLst>
-                <a:tab pos="1616075" algn="l"/>
-                <a:tab pos="3590925" algn="l"/>
-              </a:tabLst>
-            </a:pPr>
-            <a:r>
-              <a:rPr lang="lt-LT" sz="1800" b="1" dirty="0" smtClean="0"/>
-              <a:t>11:40 </a:t>
-            </a:r>
-            <a:r>
-              <a:rPr lang="lt-LT" sz="1800" b="1" dirty="0"/>
-              <a:t>- 12:30	Use Cases, Experiences, Extensions	</a:t>
-            </a:r>
-          </a:p>
-          <a:p>
-            <a:pPr>
-              <a:tabLst>
-                <a:tab pos="1616075" algn="l"/>
-                <a:tab pos="3590925" algn="l"/>
-              </a:tabLst>
-            </a:pPr>
-            <a:r>
-              <a:rPr lang="lt-LT" sz="1800" i="1" dirty="0" smtClean="0"/>
-              <a:t>Linking Latin</a:t>
-            </a:r>
-            <a:r>
-              <a:rPr lang="de-DE" sz="1800" i="1" dirty="0" smtClean="0"/>
-              <a:t>		</a:t>
-            </a:r>
-            <a:r>
-              <a:rPr lang="lt-LT" sz="1800" dirty="0" smtClean="0"/>
-              <a:t>Francesco </a:t>
-            </a:r>
-            <a:r>
-              <a:rPr lang="lt-LT" sz="1800" dirty="0"/>
-              <a:t>Mambrini</a:t>
-            </a:r>
-          </a:p>
-          <a:p>
-            <a:pPr>
-              <a:tabLst>
-                <a:tab pos="1616075" algn="l"/>
-                <a:tab pos="3590925" algn="l"/>
-              </a:tabLst>
-            </a:pPr>
-            <a:r>
-              <a:rPr lang="lt-LT" sz="1800" i="1" dirty="0" smtClean="0"/>
-              <a:t>Distributed </a:t>
-            </a:r>
-            <a:r>
-              <a:rPr lang="lt-LT" sz="1800" i="1" dirty="0"/>
-              <a:t>Text Services	</a:t>
-            </a:r>
-            <a:r>
-              <a:rPr lang="lt-LT" sz="1800" dirty="0"/>
-              <a:t>NN</a:t>
-            </a:r>
-          </a:p>
-          <a:p>
-            <a:pPr>
-              <a:tabLst>
-                <a:tab pos="1616075" algn="l"/>
-                <a:tab pos="3590925" algn="l"/>
-              </a:tabLst>
-            </a:pPr>
-            <a:r>
-              <a:rPr lang="lt-LT" sz="1800" i="1" dirty="0" smtClean="0"/>
-              <a:t>Interlinear </a:t>
-            </a:r>
-            <a:r>
-              <a:rPr lang="lt-LT" sz="1800" i="1" dirty="0"/>
-              <a:t>Glossed Text	</a:t>
-            </a:r>
-            <a:r>
-              <a:rPr lang="lt-LT" sz="1800" dirty="0"/>
-              <a:t>Maxim Ionov</a:t>
-            </a:r>
-          </a:p>
-          <a:p>
-            <a:pPr>
-              <a:tabLst>
-                <a:tab pos="1616075" algn="l"/>
-                <a:tab pos="3590925" algn="l"/>
-              </a:tabLst>
-            </a:pPr>
-            <a:r>
-              <a:rPr lang="lt-LT" sz="1800" i="1" dirty="0" smtClean="0"/>
-              <a:t>Discourse Research</a:t>
-            </a:r>
-            <a:r>
-              <a:rPr lang="de-DE" sz="1800" i="1" dirty="0" smtClean="0"/>
-              <a:t>	</a:t>
-            </a:r>
-            <a:r>
-              <a:rPr lang="lt-LT" sz="1800" dirty="0" smtClean="0"/>
-              <a:t>Giedre </a:t>
-            </a:r>
-            <a:r>
-              <a:rPr lang="lt-LT" sz="1800" dirty="0"/>
-              <a:t>Valunaite Oleskevicienė</a:t>
-            </a:r>
-          </a:p>
-          <a:p>
-            <a:pPr>
-              <a:tabLst>
-                <a:tab pos="1616075" algn="l"/>
-                <a:tab pos="3590925" algn="l"/>
-              </a:tabLst>
-            </a:pPr>
-            <a:r>
-              <a:rPr lang="lt-LT" sz="1800" i="1" dirty="0" smtClean="0"/>
-              <a:t>Transforming </a:t>
-            </a:r>
-            <a:r>
-              <a:rPr lang="lt-LT" sz="1800" i="1" dirty="0"/>
-              <a:t>Language </a:t>
-            </a:r>
-            <a:r>
-              <a:rPr lang="lt-LT" sz="1800" i="1" dirty="0" smtClean="0"/>
-              <a:t>Resources</a:t>
-            </a:r>
-            <a:r>
-              <a:rPr lang="de-DE" sz="1800" i="1" dirty="0" smtClean="0"/>
-              <a:t>	</a:t>
-            </a:r>
-            <a:r>
-              <a:rPr lang="lt-LT" sz="1800" dirty="0" smtClean="0"/>
-              <a:t>Christian Fäth</a:t>
-            </a:r>
-            <a:endParaRPr lang="de-DE" sz="1800" dirty="0" smtClean="0"/>
-          </a:p>
-          <a:p>
-            <a:pPr>
-              <a:tabLst>
-                <a:tab pos="1616075" algn="l"/>
-                <a:tab pos="3590925" algn="l"/>
-              </a:tabLst>
-            </a:pPr>
-            <a:endParaRPr lang="lt-LT" sz="1800" dirty="0"/>
-          </a:p>
-          <a:p>
-            <a:pPr marL="0" indent="0">
-              <a:buNone/>
-              <a:tabLst>
-                <a:tab pos="1616075" algn="l"/>
-                <a:tab pos="3590925" algn="l"/>
-              </a:tabLst>
-            </a:pPr>
-            <a:r>
-              <a:rPr lang="lt-LT" sz="1800" b="1" dirty="0" smtClean="0"/>
-              <a:t>12:30-1</a:t>
-            </a:r>
-            <a:r>
-              <a:rPr lang="de-DE" sz="1800" b="1" dirty="0" smtClean="0"/>
-              <a:t>3</a:t>
-            </a:r>
-            <a:r>
-              <a:rPr lang="lt-LT" sz="1800" b="1" dirty="0" smtClean="0"/>
-              <a:t>:</a:t>
-            </a:r>
-            <a:r>
-              <a:rPr lang="de-DE" sz="1800" b="1" dirty="0" smtClean="0"/>
-              <a:t>0</a:t>
-            </a:r>
-            <a:r>
-              <a:rPr lang="lt-LT" sz="1800" b="1" dirty="0" smtClean="0"/>
-              <a:t>0</a:t>
-            </a:r>
-            <a:r>
-              <a:rPr lang="lt-LT" sz="1800" b="1" dirty="0"/>
-              <a:t>	</a:t>
-            </a:r>
-            <a:r>
-              <a:rPr lang="lt-LT" sz="1800" b="1" dirty="0" smtClean="0"/>
-              <a:t>Brainstorming</a:t>
-            </a:r>
-            <a:r>
-              <a:rPr lang="de-DE" sz="1800" b="1" dirty="0"/>
+            <a:r>
+              <a:rPr lang="de-DE" dirty="0" smtClean="0"/>
+              <a:t>Different communities of practice annotate very different things</a:t>
+            </a:r>
+            <a:endParaRPr lang="de-DE" dirty="0"/>
+          </a:p>
+        </p:txBody>
+      </p:sp>
+      <p:pic>
+        <p:nvPicPr>
+          <p:cNvPr id="7" name="Picture 2" descr="Bildergebnis für screenshot exmaralda"/>
+          <p:cNvPicPr>
+            <a:picLocks noChangeAspect="1" noChangeArrowheads="1"/>
+          </p:cNvPicPr>
+          <p:nvPr/>
+        </p:nvPicPr>
+        <p:blipFill>
+          <a:blip r:embed="rId2" cstate="print">
+            <a:extLst>
+              <a:ext uri="{28A0092B-C50C-407E-A947-70E740481C1C}">
+                <a14:useLocalDpi xmlns:a14="http://schemas.microsoft.com/office/drawing/2010/main" val="0"/>
+              </a:ext>
+            </a:extLst>
+          </a:blip>
+          <a:srcRect/>
+          <a:stretch>
+            <a:fillRect/>
+          </a:stretch>
+        </p:blipFill>
+        <p:spPr bwMode="auto">
+          <a:xfrm>
+            <a:off x="5085313" y="1004058"/>
+            <a:ext cx="3717932" cy="3906701"/>
+          </a:xfrm>
+          <a:prstGeom prst="rect">
+            <a:avLst/>
+          </a:prstGeom>
+        </p:spPr>
+        <p:style>
+          <a:lnRef idx="2">
+            <a:schemeClr val="dk1"/>
+          </a:lnRef>
+          <a:fillRef idx="1">
+            <a:schemeClr val="lt1"/>
+          </a:fillRef>
+          <a:effectRef idx="0">
+            <a:schemeClr val="dk1"/>
+          </a:effectRef>
+          <a:fontRef idx="minor">
+            <a:schemeClr val="dk1"/>
+          </a:fontRef>
+        </p:style>
+      </p:pic>
+      <p:sp>
+        <p:nvSpPr>
+          <p:cNvPr id="8" name="TextBox 7"/>
+          <p:cNvSpPr txBox="1"/>
+          <p:nvPr/>
+        </p:nvSpPr>
+        <p:spPr>
+          <a:xfrm>
+            <a:off x="2514600" y="4671015"/>
+            <a:ext cx="2254463" cy="346249"/>
+          </a:xfrm>
+          <a:prstGeom prst="rect">
+            <a:avLst/>
+          </a:prstGeom>
+          <a:noFill/>
+        </p:spPr>
+        <p:txBody>
+          <a:bodyPr wrap="none" lIns="68580" tIns="34290" rIns="68580" bIns="34290" rtlCol="0">
+            <a:spAutoFit/>
+          </a:bodyPr>
+          <a:lstStyle/>
+          <a:p>
+            <a:r>
+              <a:rPr lang="de-DE" sz="1800" dirty="0" smtClean="0">
+                <a:hlinkClick r:id="rId3"/>
+              </a:rPr>
+              <a:t>http://exmaralda.org</a:t>
+            </a:r>
+            <a:r>
+              <a:rPr lang="de-DE" sz="1800" dirty="0" smtClean="0"/>
               <a:t> </a:t>
             </a:r>
-            <a:r>
-              <a:rPr lang="de-DE" sz="1800" b="1" dirty="0" smtClean="0"/>
-              <a:t>&amp; Next Steps</a:t>
-            </a:r>
-            <a:endParaRPr lang="lt-LT" sz="1800" dirty="0"/>
-          </a:p>
-          <a:p>
-            <a:pPr>
-              <a:tabLst>
-                <a:tab pos="1616075" algn="l"/>
-                <a:tab pos="3590925" algn="l"/>
-              </a:tabLst>
-            </a:pPr>
-            <a:endParaRPr lang="lt-LT" sz="1800" dirty="0"/>
-          </a:p>
-          <a:p>
-            <a:pPr>
-              <a:tabLst>
-                <a:tab pos="1616075" algn="l"/>
-                <a:tab pos="3590925" algn="l"/>
-              </a:tabLst>
-            </a:pPr>
             <a:endParaRPr lang="de-DE" sz="1800" dirty="0"/>
           </a:p>
         </p:txBody>
       </p:sp>
       <p:sp>
         <p:nvSpPr>
-          <p:cNvPr id="4" name="Slide Number Placeholder 3"/>
-          <p:cNvSpPr>
-            <a:spLocks noGrp="1"/>
-          </p:cNvSpPr>
-          <p:nvPr>
-            <p:ph type="sldNum" sz="quarter" idx="4"/>
-          </p:nvPr>
-        </p:nvSpPr>
-        <p:spPr/>
-        <p:txBody>
-          <a:bodyPr/>
+          <p:cNvPr id="9" name="TextBox 8"/>
+          <p:cNvSpPr txBox="1"/>
+          <p:nvPr/>
+        </p:nvSpPr>
+        <p:spPr>
+          <a:xfrm>
+            <a:off x="2249742" y="3031234"/>
+            <a:ext cx="2617544" cy="1592744"/>
+          </a:xfrm>
+          <a:prstGeom prst="rect">
+            <a:avLst/>
+          </a:prstGeom>
+          <a:noFill/>
+        </p:spPr>
+        <p:txBody>
+          <a:bodyPr wrap="none" lIns="68580" tIns="34290" rIns="68580" bIns="34290" rtlCol="0">
+            <a:spAutoFit/>
+          </a:bodyPr>
           <a:lstStyle/>
           <a:p>
-            <a:fld id="{DF4DF032-40E7-4198-BBCB-DA8E7ED0C5DD}" type="slidenum">
-              <a:rPr lang="de-DE" altLang="en-US" smtClean="0"/>
-              <a:pPr/>
-              <a:t>7</a:t>
-            </a:fld>
-            <a:endParaRPr lang="de-DE" altLang="en-US" dirty="0"/>
+            <a:pPr algn="ctr"/>
+            <a:r>
+              <a:rPr lang="de-DE" sz="2700" dirty="0"/>
+              <a:t>Exmaralda</a:t>
+            </a:r>
+          </a:p>
+          <a:p>
+            <a:pPr algn="ctr"/>
+            <a:r>
+              <a:rPr lang="de-DE" sz="1800" dirty="0"/>
+              <a:t>layered annotation over </a:t>
+            </a:r>
+          </a:p>
+          <a:p>
+            <a:pPr algn="ctr"/>
+            <a:r>
+              <a:rPr lang="de-DE" sz="1800" dirty="0"/>
+              <a:t>multimodal content</a:t>
+            </a:r>
+          </a:p>
+          <a:p>
+            <a:pPr algn="ctr"/>
+            <a:r>
+              <a:rPr lang="de-DE" sz="1800" dirty="0"/>
+              <a:t>(annotating dialogue, </a:t>
+            </a:r>
+          </a:p>
+          <a:p>
+            <a:pPr algn="ctr"/>
+            <a:r>
+              <a:rPr lang="de-DE" sz="1800" dirty="0"/>
+              <a:t>guestures, etc.)</a:t>
+            </a:r>
           </a:p>
         </p:txBody>
       </p:sp>
     </p:spTree>
     <p:extLst>
       <p:ext uri="{BB962C8B-B14F-4D97-AF65-F5344CB8AC3E}">
-        <p14:creationId xmlns:p14="http://schemas.microsoft.com/office/powerpoint/2010/main" val="3400237048"/>
+        <p14:creationId xmlns:p14="http://schemas.microsoft.com/office/powerpoint/2010/main" val="3216816878"/>
       </p:ext>
     </p:extLst>
   </p:cSld>
@@ -7218,7 +8547,7 @@
           <a:p>
             <a:r>
               <a:rPr lang="de-DE" dirty="0" smtClean="0"/>
-              <a:t>Workshop today</a:t>
+              <a:t>What is Linguistic Annotation, Actually?</a:t>
             </a:r>
             <a:endParaRPr lang="de-DE" dirty="0"/>
           </a:p>
@@ -7236,8 +8565,8 @@
         </p:nvSpPr>
         <p:spPr>
           <a:xfrm>
-            <a:off x="457200" y="971550"/>
-            <a:ext cx="8229600" cy="3398044"/>
+            <a:off x="457200" y="1200153"/>
+            <a:ext cx="4384830" cy="3394472"/>
           </a:xfrm>
         </p:spPr>
         <p:txBody>
@@ -7246,84 +8575,116 @@
           <a:p>
             <a:r>
               <a:rPr lang="de-DE" dirty="0" smtClean="0"/>
-              <a:t>primary goals </a:t>
-            </a:r>
-          </a:p>
-          <a:p>
-            <a:pPr lvl="1"/>
-            <a:r>
-              <a:rPr lang="de-DE" dirty="0" smtClean="0"/>
-              <a:t>provide and collect background information</a:t>
-            </a:r>
-          </a:p>
-          <a:p>
-            <a:pPr lvl="1"/>
-            <a:r>
-              <a:rPr lang="de-DE" dirty="0" smtClean="0"/>
-              <a:t>present and discuss use cases and requirement</a:t>
-            </a:r>
-          </a:p>
-          <a:p>
-            <a:pPr lvl="1"/>
-            <a:r>
-              <a:rPr lang="de-DE" dirty="0" smtClean="0"/>
-              <a:t>initiate and plan future discussions</a:t>
-            </a:r>
-          </a:p>
-          <a:p>
-            <a:r>
-              <a:rPr lang="de-DE" dirty="0" smtClean="0"/>
-              <a:t>we record background presentations</a:t>
-            </a:r>
-          </a:p>
-          <a:p>
-            <a:pPr lvl="1"/>
-            <a:r>
-              <a:rPr lang="de-DE" dirty="0" smtClean="0"/>
-              <a:t>for future reference</a:t>
-            </a:r>
-          </a:p>
-          <a:p>
-            <a:pPr lvl="1"/>
-            <a:r>
-              <a:rPr lang="de-DE" dirty="0" smtClean="0"/>
-              <a:t>if you don‘t want to be recorded, please switch off camera and join the discussion via chat</a:t>
-            </a:r>
-          </a:p>
-          <a:p>
-            <a:pPr lvl="1"/>
+              <a:t>Different communities of practice annotate very different things</a:t>
+            </a:r>
             <a:endParaRPr lang="de-DE" dirty="0"/>
           </a:p>
         </p:txBody>
       </p:sp>
       <p:sp>
         <p:nvSpPr>
-          <p:cNvPr id="4" name="Slide Number Placeholder 3"/>
-          <p:cNvSpPr>
-            <a:spLocks noGrp="1"/>
-          </p:cNvSpPr>
-          <p:nvPr>
-            <p:ph type="sldNum" sz="quarter" idx="4"/>
-          </p:nvPr>
-        </p:nvSpPr>
-        <p:spPr/>
-        <p:txBody>
-          <a:bodyPr/>
+          <p:cNvPr id="10" name="TextBox 9"/>
+          <p:cNvSpPr txBox="1"/>
+          <p:nvPr/>
+        </p:nvSpPr>
+        <p:spPr>
+          <a:xfrm>
+            <a:off x="2322548" y="3031234"/>
+            <a:ext cx="1715855" cy="1869743"/>
+          </a:xfrm>
+          <a:prstGeom prst="rect">
+            <a:avLst/>
+          </a:prstGeom>
+          <a:noFill/>
+        </p:spPr>
+        <p:txBody>
+          <a:bodyPr wrap="none" lIns="68580" tIns="34290" rIns="68580" bIns="34290" rtlCol="0">
+            <a:spAutoFit/>
+          </a:bodyPr>
           <a:lstStyle/>
           <a:p>
-            <a:fld id="{DF4DF032-40E7-4198-BBCB-DA8E7ED0C5DD}" type="slidenum">
-              <a:rPr lang="de-DE" altLang="en-US" smtClean="0"/>
-              <a:pPr/>
-              <a:t>8</a:t>
-            </a:fld>
-            <a:endParaRPr lang="de-DE" altLang="en-US" dirty="0"/>
-          </a:p>
-        </p:txBody>
-      </p:sp>
+            <a:pPr algn="ctr"/>
+            <a:r>
+              <a:rPr lang="de-DE" sz="2700" dirty="0"/>
+              <a:t>Phrase</a:t>
+            </a:r>
+          </a:p>
+          <a:p>
+            <a:pPr algn="ctr"/>
+            <a:r>
+              <a:rPr lang="de-DE" sz="2700" dirty="0"/>
+              <a:t>Structure</a:t>
+            </a:r>
+          </a:p>
+          <a:p>
+            <a:pPr algn="ctr"/>
+            <a:r>
+              <a:rPr lang="de-DE" sz="2700" dirty="0"/>
+              <a:t>Syntax</a:t>
+            </a:r>
+          </a:p>
+          <a:p>
+            <a:pPr algn="ctr"/>
+            <a:r>
+              <a:rPr lang="de-DE" sz="1800" dirty="0"/>
+              <a:t>(TIGERSearch/</a:t>
+            </a:r>
+          </a:p>
+          <a:p>
+            <a:pPr algn="ctr"/>
+            <a:r>
+              <a:rPr lang="de-DE" sz="1800" dirty="0"/>
+              <a:t>Annotate)</a:t>
+            </a:r>
+            <a:endParaRPr lang="de-DE" sz="1200" dirty="0"/>
+          </a:p>
+        </p:txBody>
+      </p:sp>
+      <p:pic>
+        <p:nvPicPr>
+          <p:cNvPr id="11" name="Picture 2" descr="Bildergebnis für tigersearch"/>
+          <p:cNvPicPr>
+            <a:picLocks noChangeAspect="1" noChangeArrowheads="1"/>
+          </p:cNvPicPr>
+          <p:nvPr/>
+        </p:nvPicPr>
+        <p:blipFill>
+          <a:blip r:embed="rId2">
+            <a:extLst>
+              <a:ext uri="{28A0092B-C50C-407E-A947-70E740481C1C}">
+                <a14:useLocalDpi xmlns:a14="http://schemas.microsoft.com/office/drawing/2010/main" val="0"/>
+              </a:ext>
+            </a:extLst>
+          </a:blip>
+          <a:srcRect/>
+          <a:stretch>
+            <a:fillRect/>
+          </a:stretch>
+        </p:blipFill>
+        <p:spPr bwMode="auto">
+          <a:xfrm>
+            <a:off x="4896036" y="1648066"/>
+            <a:ext cx="4234340" cy="3299948"/>
+          </a:xfrm>
+          <a:prstGeom prst="rect">
+            <a:avLst/>
+          </a:prstGeom>
+          <a:noFill/>
+          <a:extLst>
+            <a:ext uri="{909E8E84-426E-40DD-AFC4-6F175D3DCCD1}">
+              <a14:hiddenFill xmlns:a14="http://schemas.microsoft.com/office/drawing/2010/main">
+                <a:solidFill>
+                  <a:srgbClr val="FFFFFF"/>
+                </a:solidFill>
+              </a14:hiddenFill>
+            </a:ext>
+          </a:extLst>
+        </p:spPr>
+      </p:pic>
     </p:spTree>
     <p:extLst>
       <p:ext uri="{BB962C8B-B14F-4D97-AF65-F5344CB8AC3E}">
-        <p14:creationId xmlns:p14="http://schemas.microsoft.com/office/powerpoint/2010/main" val="1491645637"/>
+        <p14:creationId xmlns:p14="http://schemas.microsoft.com/office/powerpoint/2010/main" val="888573593"/>
       </p:ext>
     </p:extLst>
   </p:cSld>
@@ -7367,7 +8728,7 @@
           <a:p>
             <a:r>
               <a:rPr lang="de-DE" dirty="0" smtClean="0"/>
-              <a:t>Workshop today</a:t>
+              <a:t>What is Linguistic Annotation, Actually?</a:t>
             </a:r>
             <a:endParaRPr lang="de-DE" dirty="0"/>
           </a:p>
@@ -7383,80 +8744,155 @@
             <p:ph idx="1"/>
           </p:nvPr>
         </p:nvSpPr>
-        <p:spPr/>
+        <p:spPr>
+          <a:xfrm>
+            <a:off x="457200" y="1200153"/>
+            <a:ext cx="4384830" cy="3394472"/>
+          </a:xfrm>
+        </p:spPr>
         <p:txBody>
           <a:bodyPr/>
           <a:lstStyle/>
           <a:p>
             <a:r>
               <a:rPr lang="de-DE" dirty="0" smtClean="0"/>
-              <a:t>held in conjunction with</a:t>
-            </a:r>
-          </a:p>
-          <a:p>
-            <a:pPr lvl="1"/>
-            <a:r>
-              <a:rPr lang="de-DE" dirty="0" smtClean="0"/>
-              <a:t>3rd Conference on Language, Data and Knowledge (LDK-2021)</a:t>
-            </a:r>
-          </a:p>
-          <a:p>
-            <a:pPr lvl="1"/>
-            <a:r>
-              <a:rPr lang="de-DE" dirty="0" smtClean="0"/>
-              <a:t>Face-to-face meeting of the W3C CG Ontology-Lexica</a:t>
-            </a:r>
-          </a:p>
-          <a:p>
-            <a:r>
-              <a:rPr lang="de-DE" dirty="0" smtClean="0"/>
-              <a:t>organized in conjunction between</a:t>
-            </a:r>
-          </a:p>
-          <a:p>
-            <a:pPr lvl="1"/>
-            <a:r>
-              <a:rPr lang="de-DE" dirty="0" smtClean="0"/>
-              <a:t>W3C CG LD4LT</a:t>
-            </a:r>
-          </a:p>
-          <a:p>
-            <a:pPr lvl="1"/>
-            <a:r>
-              <a:rPr lang="de-DE" dirty="0" smtClean="0"/>
-              <a:t>Cost Action Nexus Linguarum</a:t>
-            </a:r>
-          </a:p>
-        </p:txBody>
-      </p:sp>
-      <p:sp>
-        <p:nvSpPr>
-          <p:cNvPr id="4" name="Slide Number Placeholder 3"/>
-          <p:cNvSpPr>
-            <a:spLocks noGrp="1"/>
-          </p:cNvSpPr>
-          <p:nvPr>
-            <p:ph type="sldNum" sz="quarter" idx="4"/>
-          </p:nvPr>
-        </p:nvSpPr>
-        <p:spPr/>
-        <p:txBody>
-          <a:bodyPr/>
+              <a:t>Different communities of practice annotate very different things</a:t>
+            </a:r>
+            <a:endParaRPr lang="de-DE" dirty="0"/>
+          </a:p>
+        </p:txBody>
+      </p:sp>
+      <p:sp>
+        <p:nvSpPr>
+          <p:cNvPr id="7" name="TextBox 6"/>
+          <p:cNvSpPr txBox="1"/>
+          <p:nvPr/>
+        </p:nvSpPr>
+        <p:spPr>
+          <a:xfrm>
+            <a:off x="1828800" y="4377077"/>
+            <a:ext cx="3124200" cy="561692"/>
+          </a:xfrm>
+          <a:prstGeom prst="rect">
+            <a:avLst/>
+          </a:prstGeom>
+          <a:noFill/>
+        </p:spPr>
+        <p:txBody>
+          <a:bodyPr wrap="square" lIns="68580" tIns="34290" rIns="68580" bIns="34290" rtlCol="0">
+            <a:spAutoFit/>
+          </a:bodyPr>
           <a:lstStyle/>
           <a:p>
-            <a:fld id="{DF4DF032-40E7-4198-BBCB-DA8E7ED0C5DD}" type="slidenum">
-              <a:rPr lang="de-DE" altLang="en-US" smtClean="0"/>
-              <a:pPr/>
-              <a:t>9</a:t>
-            </a:fld>
-            <a:endParaRPr lang="de-DE" altLang="en-US" dirty="0"/>
-          </a:p>
-        </p:txBody>
-      </p:sp>
+            <a:r>
+              <a:rPr lang="de-DE" sz="1600" dirty="0">
+                <a:hlinkClick r:id="rId2"/>
+              </a:rPr>
+              <a:t>https://</a:t>
+            </a:r>
+            <a:r>
+              <a:rPr lang="de-DE" sz="1600" dirty="0" smtClean="0">
+                <a:hlinkClick r:id="rId2"/>
+              </a:rPr>
+              <a:t>www.ling.su.se/english/nlp/tools/stockholm-treealigner</a:t>
+            </a:r>
+            <a:r>
+              <a:rPr lang="de-DE" sz="1600" dirty="0" smtClean="0"/>
+              <a:t> </a:t>
+            </a:r>
+            <a:endParaRPr lang="de-DE" sz="1600" dirty="0"/>
+          </a:p>
+        </p:txBody>
+      </p:sp>
+      <p:sp>
+        <p:nvSpPr>
+          <p:cNvPr id="8" name="TextBox 7"/>
+          <p:cNvSpPr txBox="1"/>
+          <p:nvPr/>
+        </p:nvSpPr>
+        <p:spPr>
+          <a:xfrm>
+            <a:off x="2209800" y="3315202"/>
+            <a:ext cx="2191946" cy="1038746"/>
+          </a:xfrm>
+          <a:prstGeom prst="rect">
+            <a:avLst/>
+          </a:prstGeom>
+          <a:noFill/>
+        </p:spPr>
+        <p:txBody>
+          <a:bodyPr wrap="none" lIns="68580" tIns="34290" rIns="68580" bIns="34290" rtlCol="0">
+            <a:spAutoFit/>
+          </a:bodyPr>
+          <a:lstStyle/>
+          <a:p>
+            <a:pPr algn="ctr"/>
+            <a:r>
+              <a:rPr lang="de-DE" sz="2700" dirty="0"/>
+              <a:t>TreeAligner</a:t>
+            </a:r>
+          </a:p>
+          <a:p>
+            <a:pPr algn="ctr"/>
+            <a:r>
+              <a:rPr lang="de-DE" sz="1800" dirty="0"/>
+              <a:t>syntax annotation</a:t>
+            </a:r>
+          </a:p>
+          <a:p>
+            <a:pPr algn="ctr"/>
+            <a:r>
+              <a:rPr lang="de-DE" sz="1800" dirty="0"/>
+              <a:t>for two aligned texts</a:t>
+            </a:r>
+          </a:p>
+        </p:txBody>
+      </p:sp>
+      <p:pic>
+        <p:nvPicPr>
+          <p:cNvPr id="9" name="Picture 2" descr="Bildergebnis für treealigner"/>
+          <p:cNvPicPr>
+            <a:picLocks noChangeAspect="1" noChangeArrowheads="1"/>
+          </p:cNvPicPr>
+          <p:nvPr/>
+        </p:nvPicPr>
+        <p:blipFill>
+          <a:blip r:embed="rId3">
+            <a:extLst>
+              <a:ext uri="{28A0092B-C50C-407E-A947-70E740481C1C}">
+                <a14:useLocalDpi xmlns:a14="http://schemas.microsoft.com/office/drawing/2010/main" val="0"/>
+              </a:ext>
+            </a:extLst>
+          </a:blip>
+          <a:srcRect/>
+          <a:stretch>
+            <a:fillRect/>
+          </a:stretch>
+        </p:blipFill>
+        <p:spPr bwMode="auto">
+          <a:xfrm>
+            <a:off x="5112060" y="1275606"/>
+            <a:ext cx="3759881" cy="3759882"/>
+          </a:xfrm>
+          <a:prstGeom prst="rect">
+            <a:avLst/>
+          </a:prstGeom>
+          <a:noFill/>
+          <a:extLst>
+            <a:ext uri="{909E8E84-426E-40DD-AFC4-6F175D3DCCD1}">
+              <a14:hiddenFill xmlns:a14="http://schemas.microsoft.com/office/drawing/2010/main">
+                <a:solidFill>
+                  <a:srgbClr val="FFFFFF"/>
+                </a:solidFill>
+              </a14:hiddenFill>
+            </a:ext>
+          </a:extLst>
+        </p:spPr>
+      </p:pic>
     </p:spTree>
     <p:extLst>
       <p:ext uri="{BB962C8B-B14F-4D97-AF65-F5344CB8AC3E}">
-        <p14:creationId xmlns:p14="http://schemas.microsoft.com/office/powerpoint/2010/main" val="847364642"/>
+        <p14:creationId xmlns:p14="http://schemas.microsoft.com/office/powerpoint/2010/main" val="3002368713"/>
       </p:ext>
     </p:extLst>
   </p:cSld>

--- a/doc/meetings/ldk-2021/0-welcome.pptx
+++ b/doc/meetings/ldk-2021/0-welcome.pptx
@@ -27,7 +27,7 @@
     <p:sldId id="413" r:id="rId15"/>
     <p:sldId id="416" r:id="rId16"/>
     <p:sldId id="415" r:id="rId17"/>
-    <p:sldId id="430" r:id="rId18"/>
+    <p:sldId id="431" r:id="rId18"/>
   </p:sldIdLst>
   <p:sldSz cx="9144000" cy="5143500" type="screen16x9"/>
   <p:notesSz cx="6797675" cy="9926638"/>
@@ -4080,17 +4080,8 @@
             </a:pPr>
             <a:r>
               <a:rPr lang="lt-LT" sz="1800" i="1" dirty="0" smtClean="0"/>
-              <a:t>QA</a:t>
-            </a:r>
-            <a:r>
-              <a:rPr lang="lt-LT" sz="1800" i="1" dirty="0"/>
-              <a:t>: What is missing? What is unclear? Where are problems</a:t>
-            </a:r>
-            <a:r>
-              <a:rPr lang="lt-LT" sz="1800" i="1" dirty="0" smtClean="0"/>
-              <a:t>?</a:t>
-            </a:r>
-            <a:endParaRPr lang="lt-LT" sz="1800" i="1" dirty="0"/>
+              <a:t>QA: What is missing? What is unclear? Where are problems?</a:t>
+            </a:r>
           </a:p>
           <a:p>
             <a:pPr>
@@ -4101,15 +4092,7 @@
             </a:pPr>
             <a:r>
               <a:rPr lang="lt-LT" sz="1800" i="1" dirty="0" smtClean="0"/>
-              <a:t>Summary </a:t>
-            </a:r>
-            <a:r>
-              <a:rPr lang="lt-LT" sz="1800" i="1" dirty="0"/>
-              <a:t>of LD4LT Discussions on Linguistic </a:t>
-            </a:r>
-            <a:r>
-              <a:rPr lang="lt-LT" sz="1800" i="1" dirty="0" smtClean="0"/>
-              <a:t>Annotation</a:t>
+              <a:t>Summary of LD4LT Discussions on Linguistic Annotation</a:t>
             </a:r>
             <a:endParaRPr lang="de-DE" sz="1800" i="1" dirty="0" smtClean="0"/>
           </a:p>
@@ -4133,11 +4116,7 @@
             </a:pPr>
             <a:r>
               <a:rPr lang="lt-LT" sz="1800" b="1" dirty="0" smtClean="0"/>
-              <a:t>11:40 </a:t>
-            </a:r>
-            <a:r>
-              <a:rPr lang="lt-LT" sz="1800" b="1" dirty="0"/>
-              <a:t>- 12:30	Use Cases, Experiences, Extensions	</a:t>
+              <a:t>11:40 - 12:30	Use Cases, Experiences, Extensions	</a:t>
             </a:r>
           </a:p>
           <a:p>
@@ -4157,11 +4136,7 @@
             </a:r>
             <a:r>
               <a:rPr lang="lt-LT" sz="1800" dirty="0" smtClean="0"/>
-              <a:t>Francesco </a:t>
-            </a:r>
-            <a:r>
-              <a:rPr lang="lt-LT" sz="1800" dirty="0"/>
-              <a:t>Mambrini</a:t>
+              <a:t>Francesco Mambrini</a:t>
             </a:r>
           </a:p>
           <a:p>
@@ -4173,14 +4148,10 @@
             </a:pPr>
             <a:r>
               <a:rPr lang="lt-LT" sz="1800" i="1" dirty="0" smtClean="0"/>
-              <a:t>Distributed </a:t>
-            </a:r>
-            <a:r>
-              <a:rPr lang="lt-LT" sz="1800" i="1" dirty="0"/>
-              <a:t>Text Services	</a:t>
-            </a:r>
-            <a:r>
-              <a:rPr lang="lt-LT" sz="1800" dirty="0"/>
+              <a:t>Distributed Text Services	</a:t>
+            </a:r>
+            <a:r>
+              <a:rPr lang="lt-LT" sz="1800" dirty="0" smtClean="0"/>
               <a:t>NN</a:t>
             </a:r>
           </a:p>
@@ -4193,14 +4164,10 @@
             </a:pPr>
             <a:r>
               <a:rPr lang="lt-LT" sz="1800" i="1" dirty="0" smtClean="0"/>
-              <a:t>Interlinear </a:t>
-            </a:r>
-            <a:r>
-              <a:rPr lang="lt-LT" sz="1800" i="1" dirty="0"/>
-              <a:t>Glossed Text	</a:t>
-            </a:r>
-            <a:r>
-              <a:rPr lang="lt-LT" sz="1800" dirty="0"/>
+              <a:t>Interlinear Glossed Text	</a:t>
+            </a:r>
+            <a:r>
+              <a:rPr lang="lt-LT" sz="1800" dirty="0" smtClean="0"/>
               <a:t>Maxim Ionov</a:t>
             </a:r>
           </a:p>
@@ -4221,11 +4188,7 @@
             </a:r>
             <a:r>
               <a:rPr lang="lt-LT" sz="1800" dirty="0" smtClean="0"/>
-              <a:t>Giedre </a:t>
-            </a:r>
-            <a:r>
-              <a:rPr lang="lt-LT" sz="1800" dirty="0"/>
-              <a:t>Valunaite Oleskevicienė</a:t>
+              <a:t>Giedre Valunaite Oleskevicienė</a:t>
             </a:r>
           </a:p>
           <a:p>
@@ -4237,15 +4200,7 @@
             </a:pPr>
             <a:r>
               <a:rPr lang="lt-LT" sz="1800" i="1" dirty="0" smtClean="0"/>
-              <a:t>Transforming </a:t>
-            </a:r>
-            <a:r>
-              <a:rPr lang="lt-LT" sz="1800" i="1" dirty="0"/>
-              <a:t>Language </a:t>
-            </a:r>
-            <a:r>
-              <a:rPr lang="lt-LT" sz="1800" i="1" dirty="0" smtClean="0"/>
-              <a:t>Resources</a:t>
+              <a:t>Transforming Language Resources</a:t>
             </a:r>
             <a:r>
               <a:rPr lang="de-DE" sz="1800" i="1" dirty="0" smtClean="0"/>
@@ -4264,7 +4219,7 @@
                 <a:tab pos="3590925" algn="l"/>
               </a:tabLst>
             </a:pPr>
-            <a:endParaRPr lang="lt-LT" sz="1800" dirty="0"/>
+            <a:endParaRPr lang="lt-LT" sz="1800" dirty="0" smtClean="0"/>
           </a:p>
           <a:p>
             <a:pPr marL="0" indent="0">
@@ -4292,43 +4247,12 @@
             </a:r>
             <a:r>
               <a:rPr lang="lt-LT" sz="1800" b="1" dirty="0" smtClean="0"/>
-              <a:t>0</a:t>
-            </a:r>
-            <a:r>
-              <a:rPr lang="lt-LT" sz="1800" b="1" dirty="0"/>
-              <a:t>	</a:t>
-            </a:r>
-            <a:r>
-              <a:rPr lang="lt-LT" sz="1800" b="1" dirty="0" smtClean="0"/>
-              <a:t>Brainstorming</a:t>
-            </a:r>
-            <a:r>
-              <a:rPr lang="de-DE" sz="1800" b="1" dirty="0"/>
-              <a:t> </a:t>
+              <a:t>0	Brainstorming</a:t>
             </a:r>
             <a:r>
               <a:rPr lang="de-DE" sz="1800" b="1" dirty="0" smtClean="0"/>
-              <a:t>&amp; Next Steps</a:t>
-            </a:r>
-            <a:endParaRPr lang="lt-LT" sz="1800" dirty="0"/>
-          </a:p>
-          <a:p>
-            <a:pPr>
-              <a:tabLst>
-                <a:tab pos="1616075" algn="l"/>
-                <a:tab pos="3590925" algn="l"/>
-              </a:tabLst>
-            </a:pPr>
-            <a:endParaRPr lang="lt-LT" sz="1800" dirty="0"/>
-          </a:p>
-          <a:p>
-            <a:pPr>
-              <a:tabLst>
-                <a:tab pos="1616075" algn="l"/>
-                <a:tab pos="3590925" algn="l"/>
-              </a:tabLst>
-            </a:pPr>
-            <a:endParaRPr lang="de-DE" sz="1800" dirty="0"/>
+              <a:t> &amp; Next Steps</a:t>
+            </a:r>
           </a:p>
         </p:txBody>
       </p:sp>
@@ -4683,7 +4607,7 @@
           <a:p>
             <a:r>
               <a:rPr lang="de-DE" dirty="0" smtClean="0"/>
-              <a:t>TODO</a:t>
+              <a:t>LD4LT Workshop @ LDK-2021</a:t>
             </a:r>
             <a:endParaRPr lang="de-DE" dirty="0"/>
           </a:p>
@@ -4699,20 +4623,187 @@
             <p:ph idx="1"/>
           </p:nvPr>
         </p:nvSpPr>
-        <p:spPr/>
+        <p:spPr>
+          <a:xfrm>
+            <a:off x="457200" y="1231106"/>
+            <a:ext cx="8229600" cy="3398044"/>
+          </a:xfrm>
+        </p:spPr>
         <p:txBody>
           <a:bodyPr/>
           <a:lstStyle/>
           <a:p>
-            <a:r>
-              <a:rPr lang="de-DE" dirty="0" smtClean="0"/>
-              <a:t>add </a:t>
-            </a:r>
-            <a:r>
-              <a:rPr lang="de-DE" dirty="0" smtClean="0"/>
-              <a:t>links to minutes document and github</a:t>
-            </a:r>
-            <a:endParaRPr lang="de-DE" dirty="0"/>
+            <a:pPr marL="0" indent="0">
+              <a:buNone/>
+              <a:tabLst>
+                <a:tab pos="1616075" algn="l"/>
+                <a:tab pos="3140075" algn="l"/>
+              </a:tabLst>
+            </a:pPr>
+            <a:r>
+              <a:rPr lang="de-DE" sz="1800" b="1" dirty="0" smtClean="0"/>
+              <a:t>09:00</a:t>
+            </a:r>
+            <a:r>
+              <a:rPr lang="de-DE" sz="1800" b="1" dirty="0"/>
+              <a:t>	</a:t>
+            </a:r>
+            <a:r>
+              <a:rPr lang="de-DE" sz="1800" b="1" dirty="0" smtClean="0"/>
+              <a:t>Welcome</a:t>
+            </a:r>
+            <a:endParaRPr lang="de-DE" sz="1800" b="1" dirty="0"/>
+          </a:p>
+          <a:p>
+            <a:pPr marL="0" indent="0">
+              <a:buNone/>
+              <a:tabLst>
+                <a:tab pos="1616075" algn="l"/>
+                <a:tab pos="3140075" algn="l"/>
+              </a:tabLst>
+            </a:pPr>
+            <a:endParaRPr lang="de-DE" sz="1800" dirty="0" smtClean="0"/>
+          </a:p>
+          <a:p>
+            <a:pPr marL="0" indent="0">
+              <a:buNone/>
+              <a:tabLst>
+                <a:tab pos="1616075" algn="l"/>
+                <a:tab pos="3140075" algn="l"/>
+              </a:tabLst>
+            </a:pPr>
+            <a:r>
+              <a:rPr lang="de-DE" sz="1800" b="1" dirty="0" smtClean="0"/>
+              <a:t>09:10 </a:t>
+            </a:r>
+            <a:r>
+              <a:rPr lang="de-DE" sz="1800" b="1" dirty="0"/>
+              <a:t>- </a:t>
+            </a:r>
+            <a:r>
+              <a:rPr lang="de-DE" sz="1800" b="1" dirty="0" smtClean="0"/>
+              <a:t>10:30	Background</a:t>
+            </a:r>
+            <a:r>
+              <a:rPr lang="de-DE" sz="1800" b="1" dirty="0"/>
+              <a:t>: Linguistic Annotation on the </a:t>
+            </a:r>
+            <a:r>
+              <a:rPr lang="de-DE" sz="1800" b="1" dirty="0" smtClean="0"/>
+              <a:t>Web</a:t>
+            </a:r>
+            <a:endParaRPr lang="de-DE" sz="1800" dirty="0" smtClean="0"/>
+          </a:p>
+          <a:p>
+            <a:pPr>
+              <a:tabLst>
+                <a:tab pos="1616075" algn="l"/>
+                <a:tab pos="3590925" algn="l"/>
+              </a:tabLst>
+            </a:pPr>
+            <a:r>
+              <a:rPr lang="de-DE" sz="1800" i="1" dirty="0" smtClean="0"/>
+              <a:t>W3C </a:t>
+            </a:r>
+            <a:r>
+              <a:rPr lang="de-DE" sz="1800" i="1" dirty="0"/>
+              <a:t>Standard Web Annotation</a:t>
+            </a:r>
+            <a:r>
+              <a:rPr lang="de-DE" sz="1800" dirty="0"/>
+              <a:t>	Christian Chiarcos</a:t>
+            </a:r>
+          </a:p>
+          <a:p>
+            <a:pPr>
+              <a:tabLst>
+                <a:tab pos="1616075" algn="l"/>
+                <a:tab pos="3590925" algn="l"/>
+              </a:tabLst>
+            </a:pPr>
+            <a:r>
+              <a:rPr lang="de-DE" sz="1800" i="1" dirty="0"/>
+              <a:t>NLP Interchange Format </a:t>
+            </a:r>
+            <a:r>
+              <a:rPr lang="de-DE" sz="1800" dirty="0"/>
+              <a:t>	Milan Dojchinovski</a:t>
+            </a:r>
+          </a:p>
+          <a:p>
+            <a:pPr>
+              <a:tabLst>
+                <a:tab pos="1616075" algn="l"/>
+                <a:tab pos="3590925" algn="l"/>
+              </a:tabLst>
+            </a:pPr>
+            <a:r>
+              <a:rPr lang="de-DE" sz="1800" i="1" dirty="0"/>
+              <a:t>Text Encoding Initiative </a:t>
+            </a:r>
+            <a:r>
+              <a:rPr lang="de-DE" sz="1800" dirty="0"/>
+              <a:t>	Fahad Khan</a:t>
+            </a:r>
+          </a:p>
+          <a:p>
+            <a:pPr>
+              <a:tabLst>
+                <a:tab pos="1616075" algn="l"/>
+                <a:tab pos="3590925" algn="l"/>
+              </a:tabLst>
+            </a:pPr>
+            <a:r>
+              <a:rPr lang="de-DE" sz="1800" i="1" dirty="0"/>
+              <a:t>ISO TC37 standards </a:t>
+            </a:r>
+            <a:r>
+              <a:rPr lang="de-DE" sz="1800" dirty="0"/>
+              <a:t>	Thierry Declerck</a:t>
+            </a:r>
+          </a:p>
+          <a:p>
+            <a:pPr>
+              <a:tabLst>
+                <a:tab pos="1616075" algn="l"/>
+                <a:tab pos="3590925" algn="l"/>
+              </a:tabLst>
+            </a:pPr>
+            <a:r>
+              <a:rPr lang="de-DE" sz="1800" i="1" dirty="0"/>
+              <a:t>Text Fragids	</a:t>
+            </a:r>
+            <a:r>
+              <a:rPr lang="de-DE" sz="1800" dirty="0" smtClean="0"/>
+              <a:t>	Joel Kalvesmaki</a:t>
+            </a:r>
+          </a:p>
+          <a:p>
+            <a:pPr>
+              <a:tabLst>
+                <a:tab pos="1616075" algn="l"/>
+                <a:tab pos="3590925" algn="l"/>
+              </a:tabLst>
+            </a:pPr>
+            <a:endParaRPr lang="de-DE" sz="1800" dirty="0"/>
+          </a:p>
+          <a:p>
+            <a:pPr marL="0" indent="0">
+              <a:buNone/>
+              <a:tabLst>
+                <a:tab pos="1616075" algn="l"/>
+                <a:tab pos="3590925" algn="l"/>
+              </a:tabLst>
+            </a:pPr>
+            <a:r>
+              <a:rPr lang="de-DE" sz="1800" b="1" dirty="0"/>
+              <a:t>10:30 - 11:00	</a:t>
+            </a:r>
+            <a:r>
+              <a:rPr lang="de-DE" sz="1800" b="1" dirty="0" smtClean="0"/>
+              <a:t>Break</a:t>
+            </a:r>
+            <a:endParaRPr lang="de-DE" sz="1800" b="1" dirty="0"/>
           </a:p>
         </p:txBody>
       </p:sp>
@@ -4743,7 +4834,7 @@
     </p:spTree>
     <p:extLst>
       <p:ext uri="{BB962C8B-B14F-4D97-AF65-F5344CB8AC3E}">
-        <p14:creationId xmlns:p14="http://schemas.microsoft.com/office/powerpoint/2010/main" val="449863014"/>
+        <p14:creationId xmlns:p14="http://schemas.microsoft.com/office/powerpoint/2010/main" val="1521966177"/>
       </p:ext>
     </p:extLst>
   </p:cSld>

--- a/doc/meetings/ldk-2021/0-welcome.pptx
+++ b/doc/meetings/ldk-2021/0-welcome.pptx
@@ -4151,9 +4151,10 @@
               <a:t>Distributed Text Services	</a:t>
             </a:r>
             <a:r>
-              <a:rPr lang="lt-LT" sz="1800" dirty="0" smtClean="0"/>
-              <a:t>NN</a:t>
-            </a:r>
+              <a:rPr lang="de-DE" sz="1800" dirty="0" smtClean="0"/>
+              <a:t>Christian Chiarcos</a:t>
+            </a:r>
+            <a:endParaRPr lang="lt-LT" sz="1800" dirty="0" smtClean="0"/>
           </a:p>
           <a:p>
             <a:pPr>
